--- a/Prezentace/PGM_07.pptx
+++ b/Prezentace/PGM_07.pptx
@@ -6,6 +6,12 @@
   </p:sldMasterIdLst>
   <p:sldIdLst>
     <p:sldId id="256" r:id="rId2"/>
+    <p:sldId id="257" r:id="rId3"/>
+    <p:sldId id="258" r:id="rId4"/>
+    <p:sldId id="259" r:id="rId5"/>
+    <p:sldId id="260" r:id="rId6"/>
+    <p:sldId id="261" r:id="rId7"/>
+    <p:sldId id="262" r:id="rId8"/>
   </p:sldIdLst>
   <p:sldSz cx="12192000" cy="6858000"/>
   <p:notesSz cx="6858000" cy="9144000"/>
@@ -858,7 +864,7 @@
             <a:fld id="{B61BEF0D-F0BB-DE4B-95CE-6DB70DBA9567}" type="datetimeFigureOut">
               <a:rPr lang="en-US" dirty="0"/>
               <a:pPr/>
-              <a:t>10/30/2020</a:t>
+              <a:t>11/8/2020</a:t>
             </a:fld>
             <a:endParaRPr lang="en-US" dirty="0"/>
           </a:p>
@@ -1106,7 +1112,7 @@
             <a:fld id="{B61BEF0D-F0BB-DE4B-95CE-6DB70DBA9567}" type="datetimeFigureOut">
               <a:rPr lang="en-US" dirty="0"/>
               <a:pPr/>
-              <a:t>10/30/2020</a:t>
+              <a:t>11/8/2020</a:t>
             </a:fld>
             <a:endParaRPr lang="en-US" dirty="0"/>
           </a:p>
@@ -1417,7 +1423,7 @@
             <a:fld id="{B61BEF0D-F0BB-DE4B-95CE-6DB70DBA9567}" type="datetimeFigureOut">
               <a:rPr lang="en-US" dirty="0"/>
               <a:pPr/>
-              <a:t>10/30/2020</a:t>
+              <a:t>11/8/2020</a:t>
             </a:fld>
             <a:endParaRPr lang="en-US" dirty="0"/>
           </a:p>
@@ -1747,7 +1753,7 @@
             <a:fld id="{B61BEF0D-F0BB-DE4B-95CE-6DB70DBA9567}" type="datetimeFigureOut">
               <a:rPr lang="en-US" dirty="0"/>
               <a:pPr/>
-              <a:t>10/30/2020</a:t>
+              <a:t>11/8/2020</a:t>
             </a:fld>
             <a:endParaRPr lang="en-US" dirty="0"/>
           </a:p>
@@ -2058,7 +2064,7 @@
             <a:fld id="{B61BEF0D-F0BB-DE4B-95CE-6DB70DBA9567}" type="datetimeFigureOut">
               <a:rPr lang="en-US" dirty="0"/>
               <a:pPr/>
-              <a:t>10/30/2020</a:t>
+              <a:t>11/8/2020</a:t>
             </a:fld>
             <a:endParaRPr lang="en-US" dirty="0"/>
           </a:p>
@@ -2448,7 +2454,7 @@
             <a:fld id="{B61BEF0D-F0BB-DE4B-95CE-6DB70DBA9567}" type="datetimeFigureOut">
               <a:rPr lang="en-US" dirty="0"/>
               <a:pPr/>
-              <a:t>10/30/2020</a:t>
+              <a:t>11/8/2020</a:t>
             </a:fld>
             <a:endParaRPr lang="en-US" dirty="0"/>
           </a:p>
@@ -2614,7 +2620,7 @@
           <a:p>
             <a:fld id="{55C6B4A9-1611-4792-9094-5F34BCA07E0B}" type="datetimeFigureOut">
               <a:rPr lang="en-US" dirty="0"/>
-              <a:t>10/30/2020</a:t>
+              <a:t>11/8/2020</a:t>
             </a:fld>
             <a:endParaRPr lang="en-US" dirty="0"/>
           </a:p>
@@ -2790,7 +2796,7 @@
             <a:fld id="{B61BEF0D-F0BB-DE4B-95CE-6DB70DBA9567}" type="datetimeFigureOut">
               <a:rPr lang="en-US" dirty="0"/>
               <a:pPr/>
-              <a:t>10/30/2020</a:t>
+              <a:t>11/8/2020</a:t>
             </a:fld>
             <a:endParaRPr lang="en-US" dirty="0"/>
           </a:p>
@@ -2956,7 +2962,7 @@
           <a:p>
             <a:fld id="{42A54C80-263E-416B-A8E0-580EDEADCBDC}" type="datetimeFigureOut">
               <a:rPr lang="en-US" dirty="0"/>
-              <a:t>10/30/2020</a:t>
+              <a:t>11/8/2020</a:t>
             </a:fld>
             <a:endParaRPr lang="en-US" dirty="0"/>
           </a:p>
@@ -3199,7 +3205,7 @@
             <a:fld id="{B61BEF0D-F0BB-DE4B-95CE-6DB70DBA9567}" type="datetimeFigureOut">
               <a:rPr lang="en-US" dirty="0"/>
               <a:pPr/>
-              <a:t>10/30/2020</a:t>
+              <a:t>11/8/2020</a:t>
             </a:fld>
             <a:endParaRPr lang="en-US" dirty="0"/>
           </a:p>
@@ -3427,7 +3433,7 @@
           <a:p>
             <a:fld id="{42A54C80-263E-416B-A8E0-580EDEADCBDC}" type="datetimeFigureOut">
               <a:rPr lang="en-US" dirty="0"/>
-              <a:t>10/30/2020</a:t>
+              <a:t>11/8/2020</a:t>
             </a:fld>
             <a:endParaRPr lang="en-US" dirty="0"/>
           </a:p>
@@ -3797,7 +3803,7 @@
             <a:fld id="{B61BEF0D-F0BB-DE4B-95CE-6DB70DBA9567}" type="datetimeFigureOut">
               <a:rPr lang="en-US" dirty="0"/>
               <a:pPr/>
-              <a:t>10/30/2020</a:t>
+              <a:t>11/8/2020</a:t>
             </a:fld>
             <a:endParaRPr lang="en-US" dirty="0"/>
           </a:p>
@@ -3917,7 +3923,7 @@
             <a:fld id="{B61BEF0D-F0BB-DE4B-95CE-6DB70DBA9567}" type="datetimeFigureOut">
               <a:rPr lang="en-US" dirty="0"/>
               <a:pPr/>
-              <a:t>10/30/2020</a:t>
+              <a:t>11/8/2020</a:t>
             </a:fld>
             <a:endParaRPr lang="en-US" dirty="0"/>
           </a:p>
@@ -4009,7 +4015,7 @@
             <a:fld id="{B61BEF0D-F0BB-DE4B-95CE-6DB70DBA9567}" type="datetimeFigureOut">
               <a:rPr lang="en-US" dirty="0"/>
               <a:pPr/>
-              <a:t>10/30/2020</a:t>
+              <a:t>11/8/2020</a:t>
             </a:fld>
             <a:endParaRPr lang="en-US" dirty="0"/>
           </a:p>
@@ -4260,7 +4266,7 @@
           <a:p>
             <a:fld id="{42A54C80-263E-416B-A8E0-580EDEADCBDC}" type="datetimeFigureOut">
               <a:rPr lang="en-US" dirty="0"/>
-              <a:t>10/30/2020</a:t>
+              <a:t>11/8/2020</a:t>
             </a:fld>
             <a:endParaRPr lang="en-US" dirty="0"/>
           </a:p>
@@ -4562,7 +4568,7 @@
             <a:fld id="{B61BEF0D-F0BB-DE4B-95CE-6DB70DBA9567}" type="datetimeFigureOut">
               <a:rPr lang="en-US" dirty="0"/>
               <a:pPr/>
-              <a:t>10/30/2020</a:t>
+              <a:t>11/8/2020</a:t>
             </a:fld>
             <a:endParaRPr lang="en-US" dirty="0"/>
           </a:p>
@@ -5260,7 +5266,7 @@
             <a:fld id="{B61BEF0D-F0BB-DE4B-95CE-6DB70DBA9567}" type="datetimeFigureOut">
               <a:rPr lang="en-US" dirty="0"/>
               <a:pPr/>
-              <a:t>10/30/2020</a:t>
+              <a:t>11/8/2020</a:t>
             </a:fld>
             <a:endParaRPr lang="en-US" dirty="0"/>
           </a:p>
@@ -5836,11 +5842,15 @@
             </a:r>
             <a:r>
               <a:rPr lang="cs-CZ" dirty="0" err="1"/>
+              <a:t>Math</a:t>
+            </a:r>
+            <a:r>
+              <a:rPr lang="cs-CZ" dirty="0"/>
+              <a:t>, </a:t>
+            </a:r>
+            <a:r>
+              <a:rPr lang="cs-CZ" dirty="0" err="1"/>
               <a:t>Random</a:t>
-            </a:r>
-            <a:r>
-              <a:rPr lang="cs-CZ"/>
-              <a:t>()</a:t>
             </a:r>
             <a:endParaRPr lang="cs-CZ" dirty="0"/>
           </a:p>
@@ -5850,6 +5860,2710 @@
     <p:extLst>
       <p:ext uri="{BB962C8B-B14F-4D97-AF65-F5344CB8AC3E}">
         <p14:creationId xmlns:p14="http://schemas.microsoft.com/office/powerpoint/2010/main" val="390474717"/>
+      </p:ext>
+    </p:extLst>
+  </p:cSld>
+  <p:clrMapOvr>
+    <a:masterClrMapping/>
+  </p:clrMapOvr>
+</p:sld>
+</file>
+
+<file path=ppt/slides/slide2.xml><?xml version="1.0" encoding="utf-8"?>
+<p:sld xmlns:a="http://schemas.openxmlformats.org/drawingml/2006/main" xmlns:r="http://schemas.openxmlformats.org/officeDocument/2006/relationships" xmlns:p="http://schemas.openxmlformats.org/presentationml/2006/main">
+  <p:cSld>
+    <p:spTree>
+      <p:nvGrpSpPr>
+        <p:cNvPr id="1" name=""/>
+        <p:cNvGrpSpPr/>
+        <p:nvPr/>
+      </p:nvGrpSpPr>
+      <p:grpSpPr>
+        <a:xfrm>
+          <a:off x="0" y="0"/>
+          <a:ext cx="0" cy="0"/>
+          <a:chOff x="0" y="0"/>
+          <a:chExt cx="0" cy="0"/>
+        </a:xfrm>
+      </p:grpSpPr>
+      <p:sp>
+        <p:nvSpPr>
+          <p:cNvPr id="2" name="Nadpis 1">
+            <a:extLst>
+              <a:ext uri="{FF2B5EF4-FFF2-40B4-BE49-F238E27FC236}">
+                <a16:creationId xmlns:a16="http://schemas.microsoft.com/office/drawing/2014/main" id="{DC735C39-AD37-41BA-BC95-533B8B8AFA61}"/>
+              </a:ext>
+            </a:extLst>
+          </p:cNvPr>
+          <p:cNvSpPr>
+            <a:spLocks noGrp="1"/>
+          </p:cNvSpPr>
+          <p:nvPr>
+            <p:ph type="title"/>
+          </p:nvPr>
+        </p:nvSpPr>
+        <p:spPr>
+          <a:xfrm>
+            <a:off x="677334" y="609600"/>
+            <a:ext cx="8596668" cy="853440"/>
+          </a:xfrm>
+        </p:spPr>
+        <p:txBody>
+          <a:bodyPr/>
+          <a:lstStyle/>
+          <a:p>
+            <a:r>
+              <a:rPr lang="cs-CZ" dirty="0"/>
+              <a:t>Třída a Struktura</a:t>
+            </a:r>
+          </a:p>
+        </p:txBody>
+      </p:sp>
+      <p:sp>
+        <p:nvSpPr>
+          <p:cNvPr id="3" name="Zástupný obsah 2">
+            <a:extLst>
+              <a:ext uri="{FF2B5EF4-FFF2-40B4-BE49-F238E27FC236}">
+                <a16:creationId xmlns:a16="http://schemas.microsoft.com/office/drawing/2014/main" id="{5ABA5E7A-6C8B-42C1-A615-A8A2FB7C3DF1}"/>
+              </a:ext>
+            </a:extLst>
+          </p:cNvPr>
+          <p:cNvSpPr>
+            <a:spLocks noGrp="1"/>
+          </p:cNvSpPr>
+          <p:nvPr>
+            <p:ph idx="1"/>
+          </p:nvPr>
+        </p:nvSpPr>
+        <p:spPr>
+          <a:xfrm>
+            <a:off x="677334" y="1716259"/>
+            <a:ext cx="8596668" cy="4325104"/>
+          </a:xfrm>
+        </p:spPr>
+        <p:txBody>
+          <a:bodyPr/>
+          <a:lstStyle/>
+          <a:p>
+            <a:r>
+              <a:rPr lang="cs-CZ" dirty="0"/>
+              <a:t>C# se řadí mezi objektově orientované programovací jazyky (OOP)</a:t>
+            </a:r>
+          </a:p>
+          <a:p>
+            <a:r>
+              <a:rPr lang="cs-CZ" dirty="0"/>
+              <a:t>Objekt je konkrétní instance </a:t>
+            </a:r>
+            <a:r>
+              <a:rPr lang="cs-CZ" b="1" dirty="0"/>
+              <a:t>třídy</a:t>
+            </a:r>
+          </a:p>
+          <a:p>
+            <a:pPr lvl="1"/>
+            <a:r>
+              <a:rPr lang="cs-CZ" dirty="0"/>
+              <a:t>Třída definuje předpis objektů, jeho atributy a metody</a:t>
+            </a:r>
+          </a:p>
+          <a:p>
+            <a:pPr lvl="1"/>
+            <a:r>
+              <a:rPr lang="cs-CZ" dirty="0"/>
+              <a:t>Atributy chápeme jako vlastnosti objektů</a:t>
+            </a:r>
+          </a:p>
+          <a:p>
+            <a:pPr lvl="1"/>
+            <a:r>
+              <a:rPr lang="cs-CZ" dirty="0"/>
+              <a:t>Metody jsou funkce, které nad objekty můžeme spouštět</a:t>
+            </a:r>
+          </a:p>
+          <a:p>
+            <a:r>
+              <a:rPr lang="cs-CZ" dirty="0"/>
+              <a:t>Hodnotový typ je konkrétní instance </a:t>
+            </a:r>
+            <a:r>
+              <a:rPr lang="cs-CZ" b="1" dirty="0"/>
+              <a:t>struktury</a:t>
+            </a:r>
+          </a:p>
+          <a:p>
+            <a:pPr lvl="1"/>
+            <a:r>
+              <a:rPr lang="cs-CZ" dirty="0"/>
+              <a:t>Struktury rovněž obsahují metody, které lze nad strukturami spouštět</a:t>
+            </a:r>
+          </a:p>
+          <a:p>
+            <a:pPr lvl="1"/>
+            <a:r>
+              <a:rPr lang="cs-CZ" dirty="0"/>
+              <a:t>Atributy jsou zde nahrazeny konstantami, které struktury poskytují</a:t>
+            </a:r>
+          </a:p>
+          <a:p>
+            <a:r>
+              <a:rPr lang="cs-CZ" b="1" dirty="0"/>
+              <a:t>Příklady struktur </a:t>
+            </a:r>
+            <a:r>
+              <a:rPr lang="cs-CZ" dirty="0"/>
+              <a:t>– všechny datové typy (</a:t>
+            </a:r>
+            <a:r>
+              <a:rPr lang="cs-CZ" dirty="0" err="1"/>
+              <a:t>int</a:t>
+            </a:r>
+            <a:r>
+              <a:rPr lang="cs-CZ" dirty="0"/>
+              <a:t>, double, </a:t>
+            </a:r>
+            <a:r>
+              <a:rPr lang="cs-CZ" dirty="0" err="1"/>
+              <a:t>bool</a:t>
+            </a:r>
+            <a:r>
+              <a:rPr lang="cs-CZ" dirty="0"/>
+              <a:t>, …)</a:t>
+            </a:r>
+          </a:p>
+          <a:p>
+            <a:r>
+              <a:rPr lang="cs-CZ" b="1" dirty="0"/>
+              <a:t>Příklady tříd </a:t>
+            </a:r>
+            <a:r>
+              <a:rPr lang="cs-CZ" dirty="0"/>
+              <a:t>– </a:t>
+            </a:r>
+            <a:r>
+              <a:rPr lang="cs-CZ" dirty="0" err="1"/>
+              <a:t>Console</a:t>
+            </a:r>
+            <a:r>
+              <a:rPr lang="cs-CZ" dirty="0"/>
+              <a:t>, </a:t>
+            </a:r>
+            <a:r>
+              <a:rPr lang="cs-CZ" dirty="0" err="1"/>
+              <a:t>Array</a:t>
+            </a:r>
+            <a:r>
+              <a:rPr lang="cs-CZ" dirty="0"/>
+              <a:t>, </a:t>
+            </a:r>
+            <a:r>
+              <a:rPr lang="cs-CZ" dirty="0" err="1"/>
+              <a:t>String</a:t>
+            </a:r>
+            <a:r>
+              <a:rPr lang="cs-CZ" dirty="0"/>
+              <a:t>, …</a:t>
+            </a:r>
+          </a:p>
+          <a:p>
+            <a:r>
+              <a:rPr lang="cs-CZ" dirty="0"/>
+              <a:t>Jako vývojáři si můžeme vytvářet vlastní třídy a struktury – </a:t>
+            </a:r>
+            <a:r>
+              <a:rPr lang="cs-CZ" b="1" dirty="0"/>
+              <a:t>více později</a:t>
+            </a:r>
+          </a:p>
+        </p:txBody>
+      </p:sp>
+      <p:sp>
+        <p:nvSpPr>
+          <p:cNvPr id="4" name="Mrak 3">
+            <a:extLst>
+              <a:ext uri="{FF2B5EF4-FFF2-40B4-BE49-F238E27FC236}">
+                <a16:creationId xmlns:a16="http://schemas.microsoft.com/office/drawing/2014/main" id="{4EE5342D-23A4-4C1A-892E-C21FC86FA1D8}"/>
+              </a:ext>
+            </a:extLst>
+          </p:cNvPr>
+          <p:cNvSpPr/>
+          <p:nvPr/>
+        </p:nvSpPr>
+        <p:spPr>
+          <a:xfrm>
+            <a:off x="7132319" y="2053884"/>
+            <a:ext cx="2630660" cy="2053883"/>
+          </a:xfrm>
+          <a:prstGeom prst="cloud">
+            <a:avLst/>
+          </a:prstGeom>
+        </p:spPr>
+        <p:style>
+          <a:lnRef idx="2">
+            <a:schemeClr val="accent1">
+              <a:shade val="50000"/>
+            </a:schemeClr>
+          </a:lnRef>
+          <a:fillRef idx="1">
+            <a:schemeClr val="accent1"/>
+          </a:fillRef>
+          <a:effectRef idx="0">
+            <a:schemeClr val="accent1"/>
+          </a:effectRef>
+          <a:fontRef idx="minor">
+            <a:schemeClr val="lt1"/>
+          </a:fontRef>
+        </p:style>
+        <p:txBody>
+          <a:bodyPr rtlCol="0" anchor="ctr"/>
+          <a:lstStyle/>
+          <a:p>
+            <a:pPr algn="ctr"/>
+            <a:r>
+              <a:rPr lang="cs-CZ" b="1" dirty="0"/>
+              <a:t>Více probereme později </a:t>
+            </a:r>
+            <a:r>
+              <a:rPr lang="cs-CZ" b="1" dirty="0">
+                <a:sym typeface="Wingdings" panose="05000000000000000000" pitchFamily="2" charset="2"/>
+              </a:rPr>
+              <a:t></a:t>
+            </a:r>
+            <a:endParaRPr lang="cs-CZ" b="1" dirty="0"/>
+          </a:p>
+        </p:txBody>
+      </p:sp>
+    </p:spTree>
+    <p:extLst>
+      <p:ext uri="{BB962C8B-B14F-4D97-AF65-F5344CB8AC3E}">
+        <p14:creationId xmlns:p14="http://schemas.microsoft.com/office/powerpoint/2010/main" val="679984905"/>
+      </p:ext>
+    </p:extLst>
+  </p:cSld>
+  <p:clrMapOvr>
+    <a:masterClrMapping/>
+  </p:clrMapOvr>
+</p:sld>
+</file>
+
+<file path=ppt/slides/slide3.xml><?xml version="1.0" encoding="utf-8"?>
+<p:sld xmlns:a="http://schemas.openxmlformats.org/drawingml/2006/main" xmlns:r="http://schemas.openxmlformats.org/officeDocument/2006/relationships" xmlns:p="http://schemas.openxmlformats.org/presentationml/2006/main">
+  <p:cSld>
+    <p:spTree>
+      <p:nvGrpSpPr>
+        <p:cNvPr id="1" name=""/>
+        <p:cNvGrpSpPr/>
+        <p:nvPr/>
+      </p:nvGrpSpPr>
+      <p:grpSpPr>
+        <a:xfrm>
+          <a:off x="0" y="0"/>
+          <a:ext cx="0" cy="0"/>
+          <a:chOff x="0" y="0"/>
+          <a:chExt cx="0" cy="0"/>
+        </a:xfrm>
+      </p:grpSpPr>
+      <p:sp>
+        <p:nvSpPr>
+          <p:cNvPr id="2" name="Nadpis 1">
+            <a:extLst>
+              <a:ext uri="{FF2B5EF4-FFF2-40B4-BE49-F238E27FC236}">
+                <a16:creationId xmlns:a16="http://schemas.microsoft.com/office/drawing/2014/main" id="{003C261A-87B4-483F-9E5E-4105A4B8907C}"/>
+              </a:ext>
+            </a:extLst>
+          </p:cNvPr>
+          <p:cNvSpPr>
+            <a:spLocks noGrp="1"/>
+          </p:cNvSpPr>
+          <p:nvPr>
+            <p:ph type="title"/>
+          </p:nvPr>
+        </p:nvSpPr>
+        <p:spPr>
+          <a:xfrm>
+            <a:off x="677334" y="609600"/>
+            <a:ext cx="8596668" cy="811237"/>
+          </a:xfrm>
+        </p:spPr>
+        <p:txBody>
+          <a:bodyPr/>
+          <a:lstStyle/>
+          <a:p>
+            <a:r>
+              <a:rPr lang="cs-CZ" dirty="0"/>
+              <a:t>Metody a atributy řetězce - </a:t>
+            </a:r>
+            <a:r>
+              <a:rPr lang="cs-CZ" dirty="0" err="1"/>
+              <a:t>String</a:t>
+            </a:r>
+            <a:endParaRPr lang="cs-CZ" dirty="0"/>
+          </a:p>
+        </p:txBody>
+      </p:sp>
+      <p:sp>
+        <p:nvSpPr>
+          <p:cNvPr id="3" name="Zástupný obsah 2">
+            <a:extLst>
+              <a:ext uri="{FF2B5EF4-FFF2-40B4-BE49-F238E27FC236}">
+                <a16:creationId xmlns:a16="http://schemas.microsoft.com/office/drawing/2014/main" id="{8446CFBB-5F79-40EE-B820-1F219D975EAC}"/>
+              </a:ext>
+            </a:extLst>
+          </p:cNvPr>
+          <p:cNvSpPr>
+            <a:spLocks noGrp="1"/>
+          </p:cNvSpPr>
+          <p:nvPr>
+            <p:ph idx="1"/>
+          </p:nvPr>
+        </p:nvSpPr>
+        <p:spPr>
+          <a:xfrm>
+            <a:off x="677334" y="1420837"/>
+            <a:ext cx="8596668" cy="4620525"/>
+          </a:xfrm>
+        </p:spPr>
+        <p:txBody>
+          <a:bodyPr/>
+          <a:lstStyle/>
+          <a:p>
+            <a:r>
+              <a:rPr lang="cs-CZ" dirty="0"/>
+              <a:t>Řetězce mají jediný atribut a tím je délka řetězce</a:t>
+            </a:r>
+          </a:p>
+          <a:p>
+            <a:pPr lvl="1"/>
+            <a:r>
+              <a:rPr lang="cs-CZ" dirty="0"/>
+              <a:t>Atributy stejně jako metody volám přes tečku</a:t>
+            </a:r>
+          </a:p>
+          <a:p>
+            <a:endParaRPr lang="cs-CZ" dirty="0"/>
+          </a:p>
+          <a:p>
+            <a:endParaRPr lang="cs-CZ" dirty="0"/>
+          </a:p>
+          <a:p>
+            <a:r>
+              <a:rPr lang="cs-CZ" dirty="0"/>
+              <a:t>Metod, které lze použít nad řetězci je velké množství, zde výčet některých</a:t>
+            </a:r>
+          </a:p>
+          <a:p>
+            <a:endParaRPr lang="cs-CZ" dirty="0"/>
+          </a:p>
+          <a:p>
+            <a:endParaRPr lang="cs-CZ" dirty="0"/>
+          </a:p>
+          <a:p>
+            <a:endParaRPr lang="cs-CZ" dirty="0"/>
+          </a:p>
+          <a:p>
+            <a:endParaRPr lang="cs-CZ" dirty="0"/>
+          </a:p>
+        </p:txBody>
+      </p:sp>
+      <p:graphicFrame>
+        <p:nvGraphicFramePr>
+          <p:cNvPr id="4" name="Tabulka 4">
+            <a:extLst>
+              <a:ext uri="{FF2B5EF4-FFF2-40B4-BE49-F238E27FC236}">
+                <a16:creationId xmlns:a16="http://schemas.microsoft.com/office/drawing/2014/main" id="{EE6F68AA-871E-4607-9393-F187ADF4BA15}"/>
+              </a:ext>
+            </a:extLst>
+          </p:cNvPr>
+          <p:cNvGraphicFramePr>
+            <a:graphicFrameLocks noGrp="1"/>
+          </p:cNvGraphicFramePr>
+          <p:nvPr>
+            <p:extLst>
+              <p:ext uri="{D42A27DB-BD31-4B8C-83A1-F6EECF244321}">
+                <p14:modId xmlns:p14="http://schemas.microsoft.com/office/powerpoint/2010/main" val="111726602"/>
+              </p:ext>
+            </p:extLst>
+          </p:nvPr>
+        </p:nvGraphicFramePr>
+        <p:xfrm>
+          <a:off x="323556" y="3429000"/>
+          <a:ext cx="11015004" cy="3337560"/>
+        </p:xfrm>
+        <a:graphic>
+          <a:graphicData uri="http://schemas.openxmlformats.org/drawingml/2006/table">
+            <a:tbl>
+              <a:tblPr firstRow="1" bandRow="1">
+                <a:tableStyleId>{5C22544A-7EE6-4342-B048-85BDC9FD1C3A}</a:tableStyleId>
+              </a:tblPr>
+              <a:tblGrid>
+                <a:gridCol w="1824970">
+                  <a:extLst>
+                    <a:ext uri="{9D8B030D-6E8A-4147-A177-3AD203B41FA5}">
+                      <a16:colId xmlns:a16="http://schemas.microsoft.com/office/drawing/2014/main" val="1361207461"/>
+                    </a:ext>
+                  </a:extLst>
+                </a:gridCol>
+                <a:gridCol w="5002377">
+                  <a:extLst>
+                    <a:ext uri="{9D8B030D-6E8A-4147-A177-3AD203B41FA5}">
+                      <a16:colId xmlns:a16="http://schemas.microsoft.com/office/drawing/2014/main" val="364058506"/>
+                    </a:ext>
+                  </a:extLst>
+                </a:gridCol>
+                <a:gridCol w="4187657">
+                  <a:extLst>
+                    <a:ext uri="{9D8B030D-6E8A-4147-A177-3AD203B41FA5}">
+                      <a16:colId xmlns:a16="http://schemas.microsoft.com/office/drawing/2014/main" val="284389614"/>
+                    </a:ext>
+                  </a:extLst>
+                </a:gridCol>
+              </a:tblGrid>
+              <a:tr h="370840">
+                <a:tc>
+                  <a:txBody>
+                    <a:bodyPr/>
+                    <a:lstStyle/>
+                    <a:p>
+                      <a:r>
+                        <a:rPr lang="cs-CZ" dirty="0"/>
+                        <a:t>Metoda</a:t>
+                      </a:r>
+                    </a:p>
+                  </a:txBody>
+                  <a:tcPr/>
+                </a:tc>
+                <a:tc>
+                  <a:txBody>
+                    <a:bodyPr/>
+                    <a:lstStyle/>
+                    <a:p>
+                      <a:r>
+                        <a:rPr lang="cs-CZ" dirty="0"/>
+                        <a:t>Význam</a:t>
+                      </a:r>
+                    </a:p>
+                  </a:txBody>
+                  <a:tcPr/>
+                </a:tc>
+                <a:tc>
+                  <a:txBody>
+                    <a:bodyPr/>
+                    <a:lstStyle/>
+                    <a:p>
+                      <a:r>
+                        <a:rPr lang="cs-CZ" dirty="0"/>
+                        <a:t>Příklad použití</a:t>
+                      </a:r>
+                    </a:p>
+                  </a:txBody>
+                  <a:tcPr/>
+                </a:tc>
+                <a:extLst>
+                  <a:ext uri="{0D108BD9-81ED-4DB2-BD59-A6C34878D82A}">
+                    <a16:rowId xmlns:a16="http://schemas.microsoft.com/office/drawing/2014/main" val="18210194"/>
+                  </a:ext>
+                </a:extLst>
+              </a:tr>
+              <a:tr h="370840">
+                <a:tc>
+                  <a:txBody>
+                    <a:bodyPr/>
+                    <a:lstStyle/>
+                    <a:p>
+                      <a:r>
+                        <a:rPr lang="cs-CZ" dirty="0" err="1"/>
+                        <a:t>Compare</a:t>
+                      </a:r>
+                      <a:r>
+                        <a:rPr lang="cs-CZ" dirty="0"/>
+                        <a:t>()</a:t>
+                      </a:r>
+                    </a:p>
+                  </a:txBody>
+                  <a:tcPr/>
+                </a:tc>
+                <a:tc>
+                  <a:txBody>
+                    <a:bodyPr/>
+                    <a:lstStyle/>
+                    <a:p>
+                      <a:r>
+                        <a:rPr lang="cs-CZ" dirty="0"/>
+                        <a:t>Abecední porovnání dvou řetězců</a:t>
+                      </a:r>
+                    </a:p>
+                  </a:txBody>
+                  <a:tcPr/>
+                </a:tc>
+                <a:tc>
+                  <a:txBody>
+                    <a:bodyPr/>
+                    <a:lstStyle/>
+                    <a:p>
+                      <a:r>
+                        <a:rPr lang="cs-CZ" dirty="0" err="1"/>
+                        <a:t>String.Compare</a:t>
+                      </a:r>
+                      <a:r>
+                        <a:rPr lang="cs-CZ" dirty="0"/>
+                        <a:t>(</a:t>
+                      </a:r>
+                      <a:r>
+                        <a:rPr lang="en-US" dirty="0"/>
+                        <a:t>“</a:t>
+                      </a:r>
+                      <a:r>
+                        <a:rPr lang="en-US" dirty="0" err="1"/>
+                        <a:t>abc</a:t>
+                      </a:r>
+                      <a:r>
+                        <a:rPr lang="en-US" dirty="0"/>
+                        <a:t>”, “</a:t>
+                      </a:r>
+                      <a:r>
+                        <a:rPr lang="en-US" dirty="0" err="1"/>
+                        <a:t>abcde</a:t>
+                      </a:r>
+                      <a:r>
+                        <a:rPr lang="en-US" dirty="0"/>
+                        <a:t>”);</a:t>
+                      </a:r>
+                      <a:endParaRPr lang="cs-CZ" dirty="0"/>
+                    </a:p>
+                  </a:txBody>
+                  <a:tcPr/>
+                </a:tc>
+                <a:extLst>
+                  <a:ext uri="{0D108BD9-81ED-4DB2-BD59-A6C34878D82A}">
+                    <a16:rowId xmlns:a16="http://schemas.microsoft.com/office/drawing/2014/main" val="3826385683"/>
+                  </a:ext>
+                </a:extLst>
+              </a:tr>
+              <a:tr h="370840">
+                <a:tc>
+                  <a:txBody>
+                    <a:bodyPr/>
+                    <a:lstStyle/>
+                    <a:p>
+                      <a:r>
+                        <a:rPr lang="en-US" dirty="0" err="1"/>
+                        <a:t>Concat</a:t>
+                      </a:r>
+                      <a:r>
+                        <a:rPr lang="en-US" dirty="0"/>
+                        <a:t>()</a:t>
+                      </a:r>
+                      <a:endParaRPr lang="cs-CZ" dirty="0"/>
+                    </a:p>
+                  </a:txBody>
+                  <a:tcPr/>
+                </a:tc>
+                <a:tc>
+                  <a:txBody>
+                    <a:bodyPr/>
+                    <a:lstStyle/>
+                    <a:p>
+                      <a:r>
+                        <a:rPr lang="en-US" dirty="0" err="1"/>
+                        <a:t>Spojen</a:t>
+                      </a:r>
+                      <a:r>
+                        <a:rPr lang="cs-CZ" dirty="0"/>
+                        <a:t>í dvou řetězců</a:t>
+                      </a:r>
+                    </a:p>
+                  </a:txBody>
+                  <a:tcPr/>
+                </a:tc>
+                <a:tc>
+                  <a:txBody>
+                    <a:bodyPr/>
+                    <a:lstStyle/>
+                    <a:p>
+                      <a:r>
+                        <a:rPr lang="cs-CZ" dirty="0" err="1"/>
+                        <a:t>String.Concat</a:t>
+                      </a:r>
+                      <a:r>
+                        <a:rPr lang="cs-CZ" dirty="0"/>
+                        <a:t>(</a:t>
+                      </a:r>
+                      <a:r>
+                        <a:rPr lang="en-US" dirty="0"/>
+                        <a:t>“</a:t>
+                      </a:r>
+                      <a:r>
+                        <a:rPr lang="en-US" dirty="0" err="1"/>
+                        <a:t>abc</a:t>
+                      </a:r>
+                      <a:r>
+                        <a:rPr lang="en-US" dirty="0"/>
+                        <a:t>”, “</a:t>
+                      </a:r>
+                      <a:r>
+                        <a:rPr lang="en-US" dirty="0" err="1"/>
+                        <a:t>abcde</a:t>
+                      </a:r>
+                      <a:r>
+                        <a:rPr lang="en-US" dirty="0"/>
+                        <a:t>”);</a:t>
+                      </a:r>
+                      <a:endParaRPr lang="cs-CZ" dirty="0"/>
+                    </a:p>
+                  </a:txBody>
+                  <a:tcPr/>
+                </a:tc>
+                <a:extLst>
+                  <a:ext uri="{0D108BD9-81ED-4DB2-BD59-A6C34878D82A}">
+                    <a16:rowId xmlns:a16="http://schemas.microsoft.com/office/drawing/2014/main" val="2185471927"/>
+                  </a:ext>
+                </a:extLst>
+              </a:tr>
+              <a:tr h="370840">
+                <a:tc>
+                  <a:txBody>
+                    <a:bodyPr/>
+                    <a:lstStyle/>
+                    <a:p>
+                      <a:r>
+                        <a:rPr lang="cs-CZ" dirty="0" err="1"/>
+                        <a:t>Contains</a:t>
+                      </a:r>
+                      <a:r>
+                        <a:rPr lang="cs-CZ" dirty="0"/>
+                        <a:t>()</a:t>
+                      </a:r>
+                    </a:p>
+                  </a:txBody>
+                  <a:tcPr/>
+                </a:tc>
+                <a:tc>
+                  <a:txBody>
+                    <a:bodyPr/>
+                    <a:lstStyle/>
+                    <a:p>
+                      <a:r>
+                        <a:rPr lang="cs-CZ" dirty="0"/>
+                        <a:t>Hledání hodnoty v řetězci</a:t>
+                      </a:r>
+                    </a:p>
+                  </a:txBody>
+                  <a:tcPr/>
+                </a:tc>
+                <a:tc>
+                  <a:txBody>
+                    <a:bodyPr/>
+                    <a:lstStyle/>
+                    <a:p>
+                      <a:r>
+                        <a:rPr lang="en-US" dirty="0"/>
+                        <a:t>“</a:t>
+                      </a:r>
+                      <a:r>
+                        <a:rPr lang="en-US" dirty="0" err="1"/>
+                        <a:t>abcde</a:t>
+                      </a:r>
+                      <a:r>
+                        <a:rPr lang="en-US" dirty="0"/>
+                        <a:t>”</a:t>
+                      </a:r>
+                      <a:r>
+                        <a:rPr lang="cs-CZ" dirty="0"/>
+                        <a:t>.</a:t>
+                      </a:r>
+                      <a:r>
+                        <a:rPr lang="cs-CZ" dirty="0" err="1"/>
+                        <a:t>Contains</a:t>
+                      </a:r>
+                      <a:r>
+                        <a:rPr lang="cs-CZ" dirty="0"/>
+                        <a:t>(</a:t>
+                      </a:r>
+                      <a:r>
+                        <a:rPr lang="en-US" dirty="0"/>
+                        <a:t>“</a:t>
+                      </a:r>
+                      <a:r>
+                        <a:rPr lang="en-US" dirty="0" err="1"/>
+                        <a:t>abc</a:t>
+                      </a:r>
+                      <a:r>
+                        <a:rPr lang="en-US" dirty="0"/>
+                        <a:t>”</a:t>
+                      </a:r>
+                      <a:r>
+                        <a:rPr lang="cs-CZ" dirty="0"/>
+                        <a:t>)</a:t>
+                      </a:r>
+                      <a:r>
+                        <a:rPr lang="en-US" dirty="0"/>
+                        <a:t>;</a:t>
+                      </a:r>
+                      <a:endParaRPr lang="cs-CZ" dirty="0"/>
+                    </a:p>
+                  </a:txBody>
+                  <a:tcPr/>
+                </a:tc>
+                <a:extLst>
+                  <a:ext uri="{0D108BD9-81ED-4DB2-BD59-A6C34878D82A}">
+                    <a16:rowId xmlns:a16="http://schemas.microsoft.com/office/drawing/2014/main" val="699201427"/>
+                  </a:ext>
+                </a:extLst>
+              </a:tr>
+              <a:tr h="370840">
+                <a:tc>
+                  <a:txBody>
+                    <a:bodyPr/>
+                    <a:lstStyle/>
+                    <a:p>
+                      <a:r>
+                        <a:rPr lang="cs-CZ" dirty="0" err="1"/>
+                        <a:t>IndexOf</a:t>
+                      </a:r>
+                      <a:r>
+                        <a:rPr lang="cs-CZ" dirty="0"/>
+                        <a:t>()</a:t>
+                      </a:r>
+                    </a:p>
+                  </a:txBody>
+                  <a:tcPr/>
+                </a:tc>
+                <a:tc>
+                  <a:txBody>
+                    <a:bodyPr/>
+                    <a:lstStyle/>
+                    <a:p>
+                      <a:r>
+                        <a:rPr lang="cs-CZ" dirty="0"/>
+                        <a:t>Vrací index, kde začíná hledaného</a:t>
+                      </a:r>
+                    </a:p>
+                  </a:txBody>
+                  <a:tcPr/>
+                </a:tc>
+                <a:tc>
+                  <a:txBody>
+                    <a:bodyPr/>
+                    <a:lstStyle/>
+                    <a:p>
+                      <a:pPr marL="0" marR="0" lvl="0" indent="0" algn="l" defTabSz="457200" rtl="0" eaLnBrk="1" fontAlgn="auto" latinLnBrk="0" hangingPunct="1">
+                        <a:lnSpc>
+                          <a:spcPct val="100000"/>
+                        </a:lnSpc>
+                        <a:spcBef>
+                          <a:spcPts val="0"/>
+                        </a:spcBef>
+                        <a:spcAft>
+                          <a:spcPts val="0"/>
+                        </a:spcAft>
+                        <a:buClrTx/>
+                        <a:buSzTx/>
+                        <a:buFontTx/>
+                        <a:buNone/>
+                        <a:tabLst/>
+                        <a:defRPr/>
+                      </a:pPr>
+                      <a:r>
+                        <a:rPr lang="en-US" dirty="0"/>
+                        <a:t>“a</a:t>
+                      </a:r>
+                      <a:r>
+                        <a:rPr lang="cs-CZ" dirty="0" err="1"/>
+                        <a:t>aaabbbb</a:t>
+                      </a:r>
+                      <a:r>
+                        <a:rPr lang="en-US" dirty="0"/>
+                        <a:t>”</a:t>
+                      </a:r>
+                      <a:r>
+                        <a:rPr lang="cs-CZ" dirty="0"/>
+                        <a:t>.</a:t>
+                      </a:r>
+                      <a:r>
+                        <a:rPr lang="cs-CZ" dirty="0" err="1"/>
+                        <a:t>IndexOf</a:t>
+                      </a:r>
+                      <a:r>
+                        <a:rPr lang="cs-CZ" dirty="0"/>
+                        <a:t>(</a:t>
+                      </a:r>
+                      <a:r>
+                        <a:rPr lang="en-US" dirty="0"/>
+                        <a:t>“</a:t>
+                      </a:r>
+                      <a:r>
+                        <a:rPr lang="cs-CZ" dirty="0"/>
+                        <a:t>bb</a:t>
+                      </a:r>
+                      <a:r>
+                        <a:rPr lang="en-US" dirty="0"/>
+                        <a:t>”</a:t>
+                      </a:r>
+                      <a:r>
+                        <a:rPr lang="cs-CZ" dirty="0"/>
+                        <a:t>)</a:t>
+                      </a:r>
+                      <a:r>
+                        <a:rPr lang="en-US" dirty="0"/>
+                        <a:t>;</a:t>
+                      </a:r>
+                      <a:endParaRPr lang="cs-CZ" dirty="0"/>
+                    </a:p>
+                  </a:txBody>
+                  <a:tcPr/>
+                </a:tc>
+                <a:extLst>
+                  <a:ext uri="{0D108BD9-81ED-4DB2-BD59-A6C34878D82A}">
+                    <a16:rowId xmlns:a16="http://schemas.microsoft.com/office/drawing/2014/main" val="2873701261"/>
+                  </a:ext>
+                </a:extLst>
+              </a:tr>
+              <a:tr h="370840">
+                <a:tc>
+                  <a:txBody>
+                    <a:bodyPr/>
+                    <a:lstStyle/>
+                    <a:p>
+                      <a:r>
+                        <a:rPr lang="cs-CZ" dirty="0" err="1"/>
+                        <a:t>LastIndexOf</a:t>
+                      </a:r>
+                      <a:r>
+                        <a:rPr lang="cs-CZ" dirty="0"/>
+                        <a:t>()</a:t>
+                      </a:r>
+                    </a:p>
+                  </a:txBody>
+                  <a:tcPr/>
+                </a:tc>
+                <a:tc>
+                  <a:txBody>
+                    <a:bodyPr/>
+                    <a:lstStyle/>
+                    <a:p>
+                      <a:pPr marL="0" marR="0" lvl="0" indent="0" algn="l" defTabSz="457200" rtl="0" eaLnBrk="1" fontAlgn="auto" latinLnBrk="0" hangingPunct="1">
+                        <a:lnSpc>
+                          <a:spcPct val="100000"/>
+                        </a:lnSpc>
+                        <a:spcBef>
+                          <a:spcPts val="0"/>
+                        </a:spcBef>
+                        <a:spcAft>
+                          <a:spcPts val="0"/>
+                        </a:spcAft>
+                        <a:buClrTx/>
+                        <a:buSzTx/>
+                        <a:buFontTx/>
+                        <a:buNone/>
+                        <a:tabLst/>
+                        <a:defRPr/>
+                      </a:pPr>
+                      <a:r>
+                        <a:rPr lang="cs-CZ" dirty="0"/>
+                        <a:t>Vrací poslední index, kde začíná hledaného</a:t>
+                      </a:r>
+                    </a:p>
+                  </a:txBody>
+                  <a:tcPr/>
+                </a:tc>
+                <a:tc>
+                  <a:txBody>
+                    <a:bodyPr/>
+                    <a:lstStyle/>
+                    <a:p>
+                      <a:pPr marL="0" marR="0" lvl="0" indent="0" algn="l" defTabSz="457200" rtl="0" eaLnBrk="1" fontAlgn="auto" latinLnBrk="0" hangingPunct="1">
+                        <a:lnSpc>
+                          <a:spcPct val="100000"/>
+                        </a:lnSpc>
+                        <a:spcBef>
+                          <a:spcPts val="0"/>
+                        </a:spcBef>
+                        <a:spcAft>
+                          <a:spcPts val="0"/>
+                        </a:spcAft>
+                        <a:buClrTx/>
+                        <a:buSzTx/>
+                        <a:buFontTx/>
+                        <a:buNone/>
+                        <a:tabLst/>
+                        <a:defRPr/>
+                      </a:pPr>
+                      <a:r>
+                        <a:rPr lang="en-US" dirty="0"/>
+                        <a:t>“a</a:t>
+                      </a:r>
+                      <a:r>
+                        <a:rPr lang="cs-CZ" dirty="0" err="1"/>
+                        <a:t>aaabbbb</a:t>
+                      </a:r>
+                      <a:r>
+                        <a:rPr lang="en-US" dirty="0"/>
+                        <a:t>”</a:t>
+                      </a:r>
+                      <a:r>
+                        <a:rPr lang="cs-CZ" dirty="0"/>
+                        <a:t>.</a:t>
+                      </a:r>
+                      <a:r>
+                        <a:rPr lang="cs-CZ" dirty="0" err="1"/>
+                        <a:t>LastIndexOf</a:t>
+                      </a:r>
+                      <a:r>
+                        <a:rPr lang="cs-CZ" dirty="0"/>
+                        <a:t>(</a:t>
+                      </a:r>
+                      <a:r>
+                        <a:rPr lang="en-US" dirty="0"/>
+                        <a:t>“</a:t>
+                      </a:r>
+                      <a:r>
+                        <a:rPr lang="cs-CZ" dirty="0"/>
+                        <a:t>a</a:t>
+                      </a:r>
+                      <a:r>
+                        <a:rPr lang="en-US" dirty="0"/>
+                        <a:t>”</a:t>
+                      </a:r>
+                      <a:r>
+                        <a:rPr lang="cs-CZ" dirty="0"/>
+                        <a:t>)</a:t>
+                      </a:r>
+                      <a:r>
+                        <a:rPr lang="en-US" dirty="0"/>
+                        <a:t>;</a:t>
+                      </a:r>
+                      <a:endParaRPr lang="cs-CZ" dirty="0"/>
+                    </a:p>
+                  </a:txBody>
+                  <a:tcPr/>
+                </a:tc>
+                <a:extLst>
+                  <a:ext uri="{0D108BD9-81ED-4DB2-BD59-A6C34878D82A}">
+                    <a16:rowId xmlns:a16="http://schemas.microsoft.com/office/drawing/2014/main" val="3726863506"/>
+                  </a:ext>
+                </a:extLst>
+              </a:tr>
+              <a:tr h="370840">
+                <a:tc>
+                  <a:txBody>
+                    <a:bodyPr/>
+                    <a:lstStyle/>
+                    <a:p>
+                      <a:r>
+                        <a:rPr lang="cs-CZ" dirty="0"/>
+                        <a:t>Split()</a:t>
+                      </a:r>
+                    </a:p>
+                  </a:txBody>
+                  <a:tcPr/>
+                </a:tc>
+                <a:tc>
+                  <a:txBody>
+                    <a:bodyPr/>
+                    <a:lstStyle/>
+                    <a:p>
+                      <a:r>
+                        <a:rPr lang="cs-CZ" dirty="0"/>
+                        <a:t>Rozdělí text do pole řetězců podle hodnoty</a:t>
+                      </a:r>
+                    </a:p>
+                  </a:txBody>
+                  <a:tcPr/>
+                </a:tc>
+                <a:tc>
+                  <a:txBody>
+                    <a:bodyPr/>
+                    <a:lstStyle/>
+                    <a:p>
+                      <a:pPr marL="0" marR="0" lvl="0" indent="0" algn="l" defTabSz="457200" rtl="0" eaLnBrk="1" fontAlgn="auto" latinLnBrk="0" hangingPunct="1">
+                        <a:lnSpc>
+                          <a:spcPct val="100000"/>
+                        </a:lnSpc>
+                        <a:spcBef>
+                          <a:spcPts val="0"/>
+                        </a:spcBef>
+                        <a:spcAft>
+                          <a:spcPts val="0"/>
+                        </a:spcAft>
+                        <a:buClrTx/>
+                        <a:buSzTx/>
+                        <a:buFontTx/>
+                        <a:buNone/>
+                        <a:tabLst/>
+                        <a:defRPr/>
+                      </a:pPr>
+                      <a:r>
+                        <a:rPr lang="en-US" dirty="0"/>
+                        <a:t>“</a:t>
+                      </a:r>
+                      <a:r>
+                        <a:rPr lang="cs-CZ" dirty="0"/>
+                        <a:t>a-b-c-d-e</a:t>
+                      </a:r>
+                      <a:r>
+                        <a:rPr lang="en-US" dirty="0"/>
+                        <a:t>”</a:t>
+                      </a:r>
+                      <a:r>
+                        <a:rPr lang="cs-CZ" dirty="0"/>
+                        <a:t>.Split(</a:t>
+                      </a:r>
+                      <a:r>
+                        <a:rPr lang="en-US" dirty="0"/>
+                        <a:t>“</a:t>
+                      </a:r>
+                      <a:r>
+                        <a:rPr lang="cs-CZ" dirty="0"/>
+                        <a:t>-</a:t>
+                      </a:r>
+                      <a:r>
+                        <a:rPr lang="en-US" dirty="0"/>
+                        <a:t>”</a:t>
+                      </a:r>
+                      <a:r>
+                        <a:rPr lang="cs-CZ" dirty="0"/>
+                        <a:t>)</a:t>
+                      </a:r>
+                      <a:r>
+                        <a:rPr lang="en-US" dirty="0"/>
+                        <a:t>;</a:t>
+                      </a:r>
+                      <a:endParaRPr lang="cs-CZ" dirty="0"/>
+                    </a:p>
+                  </a:txBody>
+                  <a:tcPr/>
+                </a:tc>
+                <a:extLst>
+                  <a:ext uri="{0D108BD9-81ED-4DB2-BD59-A6C34878D82A}">
+                    <a16:rowId xmlns:a16="http://schemas.microsoft.com/office/drawing/2014/main" val="1992384501"/>
+                  </a:ext>
+                </a:extLst>
+              </a:tr>
+              <a:tr h="370840">
+                <a:tc>
+                  <a:txBody>
+                    <a:bodyPr/>
+                    <a:lstStyle/>
+                    <a:p>
+                      <a:r>
+                        <a:rPr lang="cs-CZ" dirty="0" err="1"/>
+                        <a:t>Replace</a:t>
+                      </a:r>
+                      <a:r>
+                        <a:rPr lang="cs-CZ" dirty="0"/>
+                        <a:t>()</a:t>
+                      </a:r>
+                    </a:p>
+                  </a:txBody>
+                  <a:tcPr/>
+                </a:tc>
+                <a:tc>
+                  <a:txBody>
+                    <a:bodyPr/>
+                    <a:lstStyle/>
+                    <a:p>
+                      <a:r>
+                        <a:rPr lang="cs-CZ" dirty="0"/>
+                        <a:t>Nahrazení původního řetězce novým</a:t>
+                      </a:r>
+                    </a:p>
+                  </a:txBody>
+                  <a:tcPr/>
+                </a:tc>
+                <a:tc>
+                  <a:txBody>
+                    <a:bodyPr/>
+                    <a:lstStyle/>
+                    <a:p>
+                      <a:pPr marL="0" marR="0" lvl="0" indent="0" algn="l" defTabSz="457200" rtl="0" eaLnBrk="1" fontAlgn="auto" latinLnBrk="0" hangingPunct="1">
+                        <a:lnSpc>
+                          <a:spcPct val="100000"/>
+                        </a:lnSpc>
+                        <a:spcBef>
+                          <a:spcPts val="0"/>
+                        </a:spcBef>
+                        <a:spcAft>
+                          <a:spcPts val="0"/>
+                        </a:spcAft>
+                        <a:buClrTx/>
+                        <a:buSzTx/>
+                        <a:buFontTx/>
+                        <a:buNone/>
+                        <a:tabLst/>
+                        <a:defRPr/>
+                      </a:pPr>
+                      <a:r>
+                        <a:rPr lang="en-US" dirty="0"/>
+                        <a:t>“</a:t>
+                      </a:r>
+                      <a:r>
+                        <a:rPr lang="cs-CZ" sz="1800" kern="1200" dirty="0" err="1">
+                          <a:solidFill>
+                            <a:schemeClr val="dk1"/>
+                          </a:solidFill>
+                          <a:latin typeface="+mn-lt"/>
+                          <a:ea typeface="+mn-ea"/>
+                          <a:cs typeface="+mn-cs"/>
+                        </a:rPr>
+                        <a:t>abcdabc</a:t>
+                      </a:r>
+                      <a:r>
+                        <a:rPr lang="en-US" dirty="0"/>
+                        <a:t>“</a:t>
+                      </a:r>
+                      <a:r>
+                        <a:rPr lang="cs-CZ" sz="1800" kern="1200" dirty="0">
+                          <a:solidFill>
+                            <a:schemeClr val="dk1"/>
+                          </a:solidFill>
+                          <a:latin typeface="+mn-lt"/>
+                          <a:ea typeface="+mn-ea"/>
+                          <a:cs typeface="+mn-cs"/>
+                        </a:rPr>
+                        <a:t>.</a:t>
+                      </a:r>
+                      <a:r>
+                        <a:rPr lang="cs-CZ" sz="1800" kern="1200" dirty="0" err="1">
+                          <a:solidFill>
+                            <a:schemeClr val="dk1"/>
+                          </a:solidFill>
+                          <a:latin typeface="+mn-lt"/>
+                          <a:ea typeface="+mn-ea"/>
+                          <a:cs typeface="+mn-cs"/>
+                        </a:rPr>
+                        <a:t>Replace</a:t>
+                      </a:r>
+                      <a:r>
+                        <a:rPr lang="cs-CZ" sz="1800" kern="1200" dirty="0">
+                          <a:solidFill>
+                            <a:schemeClr val="dk1"/>
+                          </a:solidFill>
+                          <a:latin typeface="+mn-lt"/>
+                          <a:ea typeface="+mn-ea"/>
+                          <a:cs typeface="+mn-cs"/>
+                        </a:rPr>
+                        <a:t>(</a:t>
+                      </a:r>
+                      <a:r>
+                        <a:rPr lang="en-US" dirty="0"/>
+                        <a:t>“</a:t>
+                      </a:r>
+                      <a:r>
+                        <a:rPr lang="cs-CZ" sz="1800" kern="1200" dirty="0">
+                          <a:solidFill>
+                            <a:schemeClr val="dk1"/>
+                          </a:solidFill>
+                          <a:latin typeface="+mn-lt"/>
+                          <a:ea typeface="+mn-ea"/>
+                          <a:cs typeface="+mn-cs"/>
+                        </a:rPr>
+                        <a:t>ab</a:t>
+                      </a:r>
+                      <a:r>
+                        <a:rPr lang="en-US" dirty="0"/>
+                        <a:t>“</a:t>
+                      </a:r>
+                      <a:r>
+                        <a:rPr lang="cs-CZ" sz="1800" kern="1200" dirty="0">
+                          <a:solidFill>
+                            <a:schemeClr val="dk1"/>
+                          </a:solidFill>
+                          <a:latin typeface="+mn-lt"/>
+                          <a:ea typeface="+mn-ea"/>
+                          <a:cs typeface="+mn-cs"/>
+                        </a:rPr>
+                        <a:t>,</a:t>
+                      </a:r>
+                      <a:r>
+                        <a:rPr lang="en-US" dirty="0"/>
+                        <a:t> “</a:t>
+                      </a:r>
+                      <a:r>
+                        <a:rPr lang="cs-CZ" sz="1800" kern="1200" dirty="0">
+                          <a:solidFill>
+                            <a:schemeClr val="dk1"/>
+                          </a:solidFill>
+                          <a:latin typeface="+mn-lt"/>
+                          <a:ea typeface="+mn-ea"/>
+                          <a:cs typeface="+mn-cs"/>
+                        </a:rPr>
+                        <a:t>X</a:t>
+                      </a:r>
+                      <a:r>
+                        <a:rPr lang="en-US" dirty="0"/>
+                        <a:t>“</a:t>
+                      </a:r>
+                      <a:r>
+                        <a:rPr lang="cs-CZ" sz="1800" kern="1200" dirty="0">
+                          <a:solidFill>
+                            <a:schemeClr val="dk1"/>
+                          </a:solidFill>
+                          <a:latin typeface="+mn-lt"/>
+                          <a:ea typeface="+mn-ea"/>
+                          <a:cs typeface="+mn-cs"/>
+                        </a:rPr>
+                        <a:t>);</a:t>
+                      </a:r>
+                      <a:endParaRPr lang="cs-CZ" dirty="0"/>
+                    </a:p>
+                  </a:txBody>
+                  <a:tcPr/>
+                </a:tc>
+                <a:extLst>
+                  <a:ext uri="{0D108BD9-81ED-4DB2-BD59-A6C34878D82A}">
+                    <a16:rowId xmlns:a16="http://schemas.microsoft.com/office/drawing/2014/main" val="3412497171"/>
+                  </a:ext>
+                </a:extLst>
+              </a:tr>
+              <a:tr h="370840">
+                <a:tc>
+                  <a:txBody>
+                    <a:bodyPr/>
+                    <a:lstStyle/>
+                    <a:p>
+                      <a:r>
+                        <a:rPr lang="cs-CZ" dirty="0" err="1"/>
+                        <a:t>ToUpper</a:t>
+                      </a:r>
+                      <a:r>
+                        <a:rPr lang="cs-CZ" dirty="0"/>
+                        <a:t>()</a:t>
+                      </a:r>
+                    </a:p>
+                  </a:txBody>
+                  <a:tcPr/>
+                </a:tc>
+                <a:tc>
+                  <a:txBody>
+                    <a:bodyPr/>
+                    <a:lstStyle/>
+                    <a:p>
+                      <a:r>
+                        <a:rPr lang="cs-CZ" dirty="0"/>
+                        <a:t>Převedení všech písmen na velké</a:t>
+                      </a:r>
+                    </a:p>
+                  </a:txBody>
+                  <a:tcPr/>
+                </a:tc>
+                <a:tc>
+                  <a:txBody>
+                    <a:bodyPr/>
+                    <a:lstStyle/>
+                    <a:p>
+                      <a:pPr marL="0" marR="0" lvl="0" indent="0" algn="l" defTabSz="457200" rtl="0" eaLnBrk="1" fontAlgn="auto" latinLnBrk="0" hangingPunct="1">
+                        <a:lnSpc>
+                          <a:spcPct val="100000"/>
+                        </a:lnSpc>
+                        <a:spcBef>
+                          <a:spcPts val="0"/>
+                        </a:spcBef>
+                        <a:spcAft>
+                          <a:spcPts val="0"/>
+                        </a:spcAft>
+                        <a:buClrTx/>
+                        <a:buSzTx/>
+                        <a:buFontTx/>
+                        <a:buNone/>
+                        <a:tabLst/>
+                        <a:defRPr/>
+                      </a:pPr>
+                      <a:r>
+                        <a:rPr lang="en-US" dirty="0"/>
+                        <a:t>“</a:t>
+                      </a:r>
+                      <a:r>
+                        <a:rPr lang="cs-CZ" sz="1800" kern="1200" dirty="0" err="1">
+                          <a:solidFill>
+                            <a:schemeClr val="dk1"/>
+                          </a:solidFill>
+                          <a:latin typeface="+mn-lt"/>
+                          <a:ea typeface="+mn-ea"/>
+                          <a:cs typeface="+mn-cs"/>
+                        </a:rPr>
+                        <a:t>abcdabc</a:t>
+                      </a:r>
+                      <a:r>
+                        <a:rPr lang="en-US" dirty="0"/>
+                        <a:t>“</a:t>
+                      </a:r>
+                      <a:r>
+                        <a:rPr lang="cs-CZ" sz="1800" kern="1200" dirty="0">
+                          <a:solidFill>
+                            <a:schemeClr val="dk1"/>
+                          </a:solidFill>
+                          <a:latin typeface="+mn-lt"/>
+                          <a:ea typeface="+mn-ea"/>
+                          <a:cs typeface="+mn-cs"/>
+                        </a:rPr>
+                        <a:t>.</a:t>
+                      </a:r>
+                      <a:r>
+                        <a:rPr lang="cs-CZ" sz="1800" kern="1200" dirty="0" err="1">
+                          <a:solidFill>
+                            <a:schemeClr val="dk1"/>
+                          </a:solidFill>
+                          <a:latin typeface="+mn-lt"/>
+                          <a:ea typeface="+mn-ea"/>
+                          <a:cs typeface="+mn-cs"/>
+                        </a:rPr>
+                        <a:t>ToUpper</a:t>
+                      </a:r>
+                      <a:r>
+                        <a:rPr lang="cs-CZ" sz="1800" kern="1200" dirty="0">
+                          <a:solidFill>
+                            <a:schemeClr val="dk1"/>
+                          </a:solidFill>
+                          <a:latin typeface="+mn-lt"/>
+                          <a:ea typeface="+mn-ea"/>
+                          <a:cs typeface="+mn-cs"/>
+                        </a:rPr>
+                        <a:t>();</a:t>
+                      </a:r>
+                      <a:endParaRPr lang="cs-CZ" dirty="0"/>
+                    </a:p>
+                  </a:txBody>
+                  <a:tcPr/>
+                </a:tc>
+                <a:extLst>
+                  <a:ext uri="{0D108BD9-81ED-4DB2-BD59-A6C34878D82A}">
+                    <a16:rowId xmlns:a16="http://schemas.microsoft.com/office/drawing/2014/main" val="3520679043"/>
+                  </a:ext>
+                </a:extLst>
+              </a:tr>
+            </a:tbl>
+          </a:graphicData>
+        </a:graphic>
+      </p:graphicFrame>
+      <p:pic>
+        <p:nvPicPr>
+          <p:cNvPr id="6" name="Obrázek 5">
+            <a:extLst>
+              <a:ext uri="{FF2B5EF4-FFF2-40B4-BE49-F238E27FC236}">
+                <a16:creationId xmlns:a16="http://schemas.microsoft.com/office/drawing/2014/main" id="{41C51E6D-9EB3-4C51-8424-38317627F66B}"/>
+              </a:ext>
+            </a:extLst>
+          </p:cNvPr>
+          <p:cNvPicPr>
+            <a:picLocks noChangeAspect="1"/>
+          </p:cNvPicPr>
+          <p:nvPr/>
+        </p:nvPicPr>
+        <p:blipFill>
+          <a:blip r:embed="rId2"/>
+          <a:stretch>
+            <a:fillRect/>
+          </a:stretch>
+        </p:blipFill>
+        <p:spPr>
+          <a:xfrm>
+            <a:off x="958975" y="2232074"/>
+            <a:ext cx="8033385" cy="581464"/>
+          </a:xfrm>
+          <a:prstGeom prst="rect">
+            <a:avLst/>
+          </a:prstGeom>
+        </p:spPr>
+      </p:pic>
+    </p:spTree>
+    <p:extLst>
+      <p:ext uri="{BB962C8B-B14F-4D97-AF65-F5344CB8AC3E}">
+        <p14:creationId xmlns:p14="http://schemas.microsoft.com/office/powerpoint/2010/main" val="1485261495"/>
+      </p:ext>
+    </p:extLst>
+  </p:cSld>
+  <p:clrMapOvr>
+    <a:masterClrMapping/>
+  </p:clrMapOvr>
+</p:sld>
+</file>
+
+<file path=ppt/slides/slide4.xml><?xml version="1.0" encoding="utf-8"?>
+<p:sld xmlns:a="http://schemas.openxmlformats.org/drawingml/2006/main" xmlns:r="http://schemas.openxmlformats.org/officeDocument/2006/relationships" xmlns:p="http://schemas.openxmlformats.org/presentationml/2006/main">
+  <p:cSld>
+    <p:spTree>
+      <p:nvGrpSpPr>
+        <p:cNvPr id="1" name=""/>
+        <p:cNvGrpSpPr/>
+        <p:nvPr/>
+      </p:nvGrpSpPr>
+      <p:grpSpPr>
+        <a:xfrm>
+          <a:off x="0" y="0"/>
+          <a:ext cx="0" cy="0"/>
+          <a:chOff x="0" y="0"/>
+          <a:chExt cx="0" cy="0"/>
+        </a:xfrm>
+      </p:grpSpPr>
+      <p:sp>
+        <p:nvSpPr>
+          <p:cNvPr id="2" name="Nadpis 1">
+            <a:extLst>
+              <a:ext uri="{FF2B5EF4-FFF2-40B4-BE49-F238E27FC236}">
+                <a16:creationId xmlns:a16="http://schemas.microsoft.com/office/drawing/2014/main" id="{003C261A-87B4-483F-9E5E-4105A4B8907C}"/>
+              </a:ext>
+            </a:extLst>
+          </p:cNvPr>
+          <p:cNvSpPr>
+            <a:spLocks noGrp="1"/>
+          </p:cNvSpPr>
+          <p:nvPr>
+            <p:ph type="title"/>
+          </p:nvPr>
+        </p:nvSpPr>
+        <p:spPr>
+          <a:xfrm>
+            <a:off x="677334" y="609600"/>
+            <a:ext cx="8596668" cy="811237"/>
+          </a:xfrm>
+        </p:spPr>
+        <p:txBody>
+          <a:bodyPr/>
+          <a:lstStyle/>
+          <a:p>
+            <a:r>
+              <a:rPr lang="cs-CZ" dirty="0"/>
+              <a:t>Metody a atributy pole - </a:t>
+            </a:r>
+            <a:r>
+              <a:rPr lang="cs-CZ" dirty="0" err="1"/>
+              <a:t>Array</a:t>
+            </a:r>
+            <a:endParaRPr lang="cs-CZ" dirty="0"/>
+          </a:p>
+        </p:txBody>
+      </p:sp>
+      <p:sp>
+        <p:nvSpPr>
+          <p:cNvPr id="3" name="Zástupný obsah 2">
+            <a:extLst>
+              <a:ext uri="{FF2B5EF4-FFF2-40B4-BE49-F238E27FC236}">
+                <a16:creationId xmlns:a16="http://schemas.microsoft.com/office/drawing/2014/main" id="{8446CFBB-5F79-40EE-B820-1F219D975EAC}"/>
+              </a:ext>
+            </a:extLst>
+          </p:cNvPr>
+          <p:cNvSpPr>
+            <a:spLocks noGrp="1"/>
+          </p:cNvSpPr>
+          <p:nvPr>
+            <p:ph idx="1"/>
+          </p:nvPr>
+        </p:nvSpPr>
+        <p:spPr>
+          <a:xfrm>
+            <a:off x="677334" y="1420837"/>
+            <a:ext cx="8596668" cy="4620525"/>
+          </a:xfrm>
+        </p:spPr>
+        <p:txBody>
+          <a:bodyPr/>
+          <a:lstStyle/>
+          <a:p>
+            <a:r>
+              <a:rPr lang="cs-CZ" dirty="0"/>
+              <a:t>Pole mají svých atributů více, ale nejpoužívanější je opět délka</a:t>
+            </a:r>
+          </a:p>
+          <a:p>
+            <a:pPr lvl="1"/>
+            <a:r>
+              <a:rPr lang="cs-CZ" dirty="0"/>
+              <a:t>Atributy stejně jako metody volám přes tečku</a:t>
+            </a:r>
+          </a:p>
+          <a:p>
+            <a:endParaRPr lang="cs-CZ" dirty="0"/>
+          </a:p>
+          <a:p>
+            <a:endParaRPr lang="cs-CZ" dirty="0"/>
+          </a:p>
+          <a:p>
+            <a:endParaRPr lang="cs-CZ" dirty="0"/>
+          </a:p>
+          <a:p>
+            <a:endParaRPr lang="cs-CZ" dirty="0"/>
+          </a:p>
+          <a:p>
+            <a:r>
+              <a:rPr lang="cs-CZ" dirty="0"/>
+              <a:t>Metod, které lze použít nad polem je velké množství, zde výčet některých</a:t>
+            </a:r>
+          </a:p>
+          <a:p>
+            <a:endParaRPr lang="cs-CZ" dirty="0"/>
+          </a:p>
+          <a:p>
+            <a:endParaRPr lang="cs-CZ" dirty="0"/>
+          </a:p>
+          <a:p>
+            <a:endParaRPr lang="cs-CZ" dirty="0"/>
+          </a:p>
+          <a:p>
+            <a:endParaRPr lang="cs-CZ" dirty="0"/>
+          </a:p>
+        </p:txBody>
+      </p:sp>
+      <p:graphicFrame>
+        <p:nvGraphicFramePr>
+          <p:cNvPr id="4" name="Tabulka 4">
+            <a:extLst>
+              <a:ext uri="{FF2B5EF4-FFF2-40B4-BE49-F238E27FC236}">
+                <a16:creationId xmlns:a16="http://schemas.microsoft.com/office/drawing/2014/main" id="{EE6F68AA-871E-4607-9393-F187ADF4BA15}"/>
+              </a:ext>
+            </a:extLst>
+          </p:cNvPr>
+          <p:cNvGraphicFramePr>
+            <a:graphicFrameLocks noGrp="1"/>
+          </p:cNvGraphicFramePr>
+          <p:nvPr>
+            <p:extLst>
+              <p:ext uri="{D42A27DB-BD31-4B8C-83A1-F6EECF244321}">
+                <p14:modId xmlns:p14="http://schemas.microsoft.com/office/powerpoint/2010/main" val="1297080927"/>
+              </p:ext>
+            </p:extLst>
+          </p:nvPr>
+        </p:nvGraphicFramePr>
+        <p:xfrm>
+          <a:off x="464232" y="4371534"/>
+          <a:ext cx="9973994" cy="1483360"/>
+        </p:xfrm>
+        <a:graphic>
+          <a:graphicData uri="http://schemas.openxmlformats.org/drawingml/2006/table">
+            <a:tbl>
+              <a:tblPr firstRow="1" bandRow="1">
+                <a:tableStyleId>{5C22544A-7EE6-4342-B048-85BDC9FD1C3A}</a:tableStyleId>
+              </a:tblPr>
+              <a:tblGrid>
+                <a:gridCol w="2053885">
+                  <a:extLst>
+                    <a:ext uri="{9D8B030D-6E8A-4147-A177-3AD203B41FA5}">
+                      <a16:colId xmlns:a16="http://schemas.microsoft.com/office/drawing/2014/main" val="1361207461"/>
+                    </a:ext>
+                  </a:extLst>
+                </a:gridCol>
+                <a:gridCol w="2926744">
+                  <a:extLst>
+                    <a:ext uri="{9D8B030D-6E8A-4147-A177-3AD203B41FA5}">
+                      <a16:colId xmlns:a16="http://schemas.microsoft.com/office/drawing/2014/main" val="364058506"/>
+                    </a:ext>
+                  </a:extLst>
+                </a:gridCol>
+                <a:gridCol w="4993365">
+                  <a:extLst>
+                    <a:ext uri="{9D8B030D-6E8A-4147-A177-3AD203B41FA5}">
+                      <a16:colId xmlns:a16="http://schemas.microsoft.com/office/drawing/2014/main" val="284389614"/>
+                    </a:ext>
+                  </a:extLst>
+                </a:gridCol>
+              </a:tblGrid>
+              <a:tr h="370840">
+                <a:tc>
+                  <a:txBody>
+                    <a:bodyPr/>
+                    <a:lstStyle/>
+                    <a:p>
+                      <a:r>
+                        <a:rPr lang="cs-CZ" dirty="0"/>
+                        <a:t>Metoda</a:t>
+                      </a:r>
+                    </a:p>
+                  </a:txBody>
+                  <a:tcPr/>
+                </a:tc>
+                <a:tc>
+                  <a:txBody>
+                    <a:bodyPr/>
+                    <a:lstStyle/>
+                    <a:p>
+                      <a:r>
+                        <a:rPr lang="cs-CZ" dirty="0"/>
+                        <a:t>Význam</a:t>
+                      </a:r>
+                    </a:p>
+                  </a:txBody>
+                  <a:tcPr/>
+                </a:tc>
+                <a:tc>
+                  <a:txBody>
+                    <a:bodyPr/>
+                    <a:lstStyle/>
+                    <a:p>
+                      <a:r>
+                        <a:rPr lang="cs-CZ" dirty="0"/>
+                        <a:t>Příklad použití</a:t>
+                      </a:r>
+                    </a:p>
+                  </a:txBody>
+                  <a:tcPr/>
+                </a:tc>
+                <a:extLst>
+                  <a:ext uri="{0D108BD9-81ED-4DB2-BD59-A6C34878D82A}">
+                    <a16:rowId xmlns:a16="http://schemas.microsoft.com/office/drawing/2014/main" val="18210194"/>
+                  </a:ext>
+                </a:extLst>
+              </a:tr>
+              <a:tr h="370840">
+                <a:tc>
+                  <a:txBody>
+                    <a:bodyPr/>
+                    <a:lstStyle/>
+                    <a:p>
+                      <a:r>
+                        <a:rPr lang="cs-CZ" dirty="0"/>
+                        <a:t>Sort()</a:t>
+                      </a:r>
+                    </a:p>
+                  </a:txBody>
+                  <a:tcPr/>
+                </a:tc>
+                <a:tc>
+                  <a:txBody>
+                    <a:bodyPr/>
+                    <a:lstStyle/>
+                    <a:p>
+                      <a:r>
+                        <a:rPr lang="cs-CZ" dirty="0"/>
+                        <a:t>Seřazení hodnot v poli</a:t>
+                      </a:r>
+                    </a:p>
+                  </a:txBody>
+                  <a:tcPr/>
+                </a:tc>
+                <a:tc>
+                  <a:txBody>
+                    <a:bodyPr/>
+                    <a:lstStyle/>
+                    <a:p>
+                      <a:r>
+                        <a:rPr lang="cs-CZ" dirty="0" err="1"/>
+                        <a:t>Array.Sort</a:t>
+                      </a:r>
+                      <a:r>
+                        <a:rPr lang="cs-CZ" dirty="0"/>
+                        <a:t>(</a:t>
+                      </a:r>
+                      <a:r>
+                        <a:rPr lang="cs-CZ" dirty="0" err="1"/>
+                        <a:t>poleCisel</a:t>
+                      </a:r>
+                      <a:r>
+                        <a:rPr lang="cs-CZ" dirty="0"/>
+                        <a:t>);</a:t>
+                      </a:r>
+                    </a:p>
+                  </a:txBody>
+                  <a:tcPr/>
+                </a:tc>
+                <a:extLst>
+                  <a:ext uri="{0D108BD9-81ED-4DB2-BD59-A6C34878D82A}">
+                    <a16:rowId xmlns:a16="http://schemas.microsoft.com/office/drawing/2014/main" val="3826385683"/>
+                  </a:ext>
+                </a:extLst>
+              </a:tr>
+              <a:tr h="370840">
+                <a:tc>
+                  <a:txBody>
+                    <a:bodyPr/>
+                    <a:lstStyle/>
+                    <a:p>
+                      <a:r>
+                        <a:rPr lang="cs-CZ" dirty="0" err="1"/>
+                        <a:t>BinarySearch</a:t>
+                      </a:r>
+                      <a:r>
+                        <a:rPr lang="cs-CZ" dirty="0"/>
+                        <a:t>()</a:t>
+                      </a:r>
+                    </a:p>
+                  </a:txBody>
+                  <a:tcPr/>
+                </a:tc>
+                <a:tc>
+                  <a:txBody>
+                    <a:bodyPr/>
+                    <a:lstStyle/>
+                    <a:p>
+                      <a:r>
+                        <a:rPr lang="cs-CZ" dirty="0"/>
+                        <a:t>Vyhledání hodnoty v poli</a:t>
+                      </a:r>
+                    </a:p>
+                  </a:txBody>
+                  <a:tcPr/>
+                </a:tc>
+                <a:tc>
+                  <a:txBody>
+                    <a:bodyPr/>
+                    <a:lstStyle/>
+                    <a:p>
+                      <a:r>
+                        <a:rPr lang="cs-CZ" dirty="0" err="1"/>
+                        <a:t>Array.BinarySearch</a:t>
+                      </a:r>
+                      <a:r>
+                        <a:rPr lang="cs-CZ" dirty="0"/>
+                        <a:t>(</a:t>
+                      </a:r>
+                      <a:r>
+                        <a:rPr lang="cs-CZ" dirty="0" err="1"/>
+                        <a:t>poleZnaku</a:t>
+                      </a:r>
+                      <a:r>
+                        <a:rPr lang="cs-CZ" dirty="0"/>
+                        <a:t>, </a:t>
+                      </a:r>
+                      <a:r>
+                        <a:rPr lang="en-US" dirty="0"/>
+                        <a:t>“</a:t>
+                      </a:r>
+                      <a:r>
+                        <a:rPr lang="cs-CZ" dirty="0"/>
+                        <a:t>A</a:t>
+                      </a:r>
+                      <a:r>
+                        <a:rPr lang="en-US" dirty="0"/>
+                        <a:t>”</a:t>
+                      </a:r>
+                      <a:r>
+                        <a:rPr lang="cs-CZ" dirty="0"/>
+                        <a:t>);</a:t>
+                      </a:r>
+                    </a:p>
+                  </a:txBody>
+                  <a:tcPr/>
+                </a:tc>
+                <a:extLst>
+                  <a:ext uri="{0D108BD9-81ED-4DB2-BD59-A6C34878D82A}">
+                    <a16:rowId xmlns:a16="http://schemas.microsoft.com/office/drawing/2014/main" val="2185471927"/>
+                  </a:ext>
+                </a:extLst>
+              </a:tr>
+              <a:tr h="370840">
+                <a:tc>
+                  <a:txBody>
+                    <a:bodyPr/>
+                    <a:lstStyle/>
+                    <a:p>
+                      <a:r>
+                        <a:rPr lang="cs-CZ" dirty="0"/>
+                        <a:t>Reverse()</a:t>
+                      </a:r>
+                    </a:p>
+                  </a:txBody>
+                  <a:tcPr/>
+                </a:tc>
+                <a:tc>
+                  <a:txBody>
+                    <a:bodyPr/>
+                    <a:lstStyle/>
+                    <a:p>
+                      <a:r>
+                        <a:rPr lang="cs-CZ" dirty="0"/>
+                        <a:t>Převrácení hodnot v poli</a:t>
+                      </a:r>
+                    </a:p>
+                  </a:txBody>
+                  <a:tcPr/>
+                </a:tc>
+                <a:tc>
+                  <a:txBody>
+                    <a:bodyPr/>
+                    <a:lstStyle/>
+                    <a:p>
+                      <a:r>
+                        <a:rPr lang="cs-CZ" dirty="0" err="1"/>
+                        <a:t>Array.Reverse</a:t>
+                      </a:r>
+                      <a:r>
+                        <a:rPr lang="cs-CZ" dirty="0"/>
+                        <a:t>(</a:t>
+                      </a:r>
+                      <a:r>
+                        <a:rPr lang="cs-CZ" dirty="0" err="1"/>
+                        <a:t>poleCisel</a:t>
+                      </a:r>
+                      <a:r>
+                        <a:rPr lang="cs-CZ" dirty="0"/>
+                        <a:t>);</a:t>
+                      </a:r>
+                    </a:p>
+                  </a:txBody>
+                  <a:tcPr/>
+                </a:tc>
+                <a:extLst>
+                  <a:ext uri="{0D108BD9-81ED-4DB2-BD59-A6C34878D82A}">
+                    <a16:rowId xmlns:a16="http://schemas.microsoft.com/office/drawing/2014/main" val="699201427"/>
+                  </a:ext>
+                </a:extLst>
+              </a:tr>
+            </a:tbl>
+          </a:graphicData>
+        </a:graphic>
+      </p:graphicFrame>
+      <p:pic>
+        <p:nvPicPr>
+          <p:cNvPr id="7" name="Obrázek 6">
+            <a:extLst>
+              <a:ext uri="{FF2B5EF4-FFF2-40B4-BE49-F238E27FC236}">
+                <a16:creationId xmlns:a16="http://schemas.microsoft.com/office/drawing/2014/main" id="{D003E235-8D41-43E9-811D-ACE39F775851}"/>
+              </a:ext>
+            </a:extLst>
+          </p:cNvPr>
+          <p:cNvPicPr>
+            <a:picLocks noChangeAspect="1"/>
+          </p:cNvPicPr>
+          <p:nvPr/>
+        </p:nvPicPr>
+        <p:blipFill>
+          <a:blip r:embed="rId2"/>
+          <a:stretch>
+            <a:fillRect/>
+          </a:stretch>
+        </p:blipFill>
+        <p:spPr>
+          <a:xfrm>
+            <a:off x="3164024" y="2247740"/>
+            <a:ext cx="3623287" cy="1483359"/>
+          </a:xfrm>
+          <a:prstGeom prst="rect">
+            <a:avLst/>
+          </a:prstGeom>
+        </p:spPr>
+      </p:pic>
+    </p:spTree>
+    <p:extLst>
+      <p:ext uri="{BB962C8B-B14F-4D97-AF65-F5344CB8AC3E}">
+        <p14:creationId xmlns:p14="http://schemas.microsoft.com/office/powerpoint/2010/main" val="3224192109"/>
+      </p:ext>
+    </p:extLst>
+  </p:cSld>
+  <p:clrMapOvr>
+    <a:masterClrMapping/>
+  </p:clrMapOvr>
+</p:sld>
+</file>
+
+<file path=ppt/slides/slide5.xml><?xml version="1.0" encoding="utf-8"?>
+<p:sld xmlns:a="http://schemas.openxmlformats.org/drawingml/2006/main" xmlns:r="http://schemas.openxmlformats.org/officeDocument/2006/relationships" xmlns:p="http://schemas.openxmlformats.org/presentationml/2006/main">
+  <p:cSld>
+    <p:spTree>
+      <p:nvGrpSpPr>
+        <p:cNvPr id="1" name=""/>
+        <p:cNvGrpSpPr/>
+        <p:nvPr/>
+      </p:nvGrpSpPr>
+      <p:grpSpPr>
+        <a:xfrm>
+          <a:off x="0" y="0"/>
+          <a:ext cx="0" cy="0"/>
+          <a:chOff x="0" y="0"/>
+          <a:chExt cx="0" cy="0"/>
+        </a:xfrm>
+      </p:grpSpPr>
+      <p:sp>
+        <p:nvSpPr>
+          <p:cNvPr id="2" name="Nadpis 1">
+            <a:extLst>
+              <a:ext uri="{FF2B5EF4-FFF2-40B4-BE49-F238E27FC236}">
+                <a16:creationId xmlns:a16="http://schemas.microsoft.com/office/drawing/2014/main" id="{200299B1-5009-4A50-9075-1F547F7DE38A}"/>
+              </a:ext>
+            </a:extLst>
+          </p:cNvPr>
+          <p:cNvSpPr>
+            <a:spLocks noGrp="1"/>
+          </p:cNvSpPr>
+          <p:nvPr>
+            <p:ph type="title"/>
+          </p:nvPr>
+        </p:nvSpPr>
+        <p:spPr>
+          <a:xfrm>
+            <a:off x="677334" y="609600"/>
+            <a:ext cx="8596668" cy="628357"/>
+          </a:xfrm>
+        </p:spPr>
+        <p:txBody>
+          <a:bodyPr>
+            <a:normAutofit fontScale="90000"/>
+          </a:bodyPr>
+          <a:lstStyle/>
+          <a:p>
+            <a:r>
+              <a:rPr lang="cs-CZ" dirty="0"/>
+              <a:t>Metody nad konkrétním polem</a:t>
+            </a:r>
+          </a:p>
+        </p:txBody>
+      </p:sp>
+      <p:sp>
+        <p:nvSpPr>
+          <p:cNvPr id="3" name="Zástupný obsah 2">
+            <a:extLst>
+              <a:ext uri="{FF2B5EF4-FFF2-40B4-BE49-F238E27FC236}">
+                <a16:creationId xmlns:a16="http://schemas.microsoft.com/office/drawing/2014/main" id="{B3B531EF-AA5B-44F8-8F00-3ED2FCE532E7}"/>
+              </a:ext>
+            </a:extLst>
+          </p:cNvPr>
+          <p:cNvSpPr>
+            <a:spLocks noGrp="1"/>
+          </p:cNvSpPr>
+          <p:nvPr>
+            <p:ph idx="1"/>
+          </p:nvPr>
+        </p:nvSpPr>
+        <p:spPr>
+          <a:xfrm>
+            <a:off x="677334" y="1561515"/>
+            <a:ext cx="8596668" cy="4479848"/>
+          </a:xfrm>
+        </p:spPr>
+        <p:txBody>
+          <a:bodyPr/>
+          <a:lstStyle/>
+          <a:p>
+            <a:r>
+              <a:rPr lang="cs-CZ" dirty="0"/>
+              <a:t>Některé z metod pro pole jsou odvozené podle datového typu, které je v poli obsaženo</a:t>
+            </a:r>
+          </a:p>
+          <a:p>
+            <a:pPr lvl="1"/>
+            <a:r>
+              <a:rPr lang="cs-CZ" dirty="0"/>
+              <a:t>Číselné pole (</a:t>
+            </a:r>
+            <a:r>
+              <a:rPr lang="cs-CZ" dirty="0" err="1"/>
+              <a:t>int</a:t>
+            </a:r>
+            <a:r>
+              <a:rPr lang="cs-CZ" dirty="0"/>
+              <a:t>, double, …) obsahují některé matematické funkce</a:t>
+            </a:r>
+          </a:p>
+          <a:p>
+            <a:pPr lvl="1"/>
+            <a:r>
+              <a:rPr lang="cs-CZ" dirty="0"/>
+              <a:t>Maximum/Minimum </a:t>
+            </a:r>
+          </a:p>
+          <a:p>
+            <a:pPr lvl="1"/>
+            <a:r>
+              <a:rPr lang="cs-CZ" dirty="0"/>
+              <a:t> Suma</a:t>
+            </a:r>
+          </a:p>
+          <a:p>
+            <a:pPr lvl="1"/>
+            <a:r>
+              <a:rPr lang="cs-CZ" dirty="0"/>
+              <a:t>Průměr</a:t>
+            </a:r>
+          </a:p>
+          <a:p>
+            <a:r>
+              <a:rPr lang="cs-CZ" dirty="0"/>
+              <a:t>Pokud máme pole řetězců, můžeme na jednotlivé položky použít již zmíněné metody – metody se provedou nad celým polem</a:t>
+            </a:r>
+          </a:p>
+          <a:p>
+            <a:endParaRPr lang="cs-CZ" dirty="0"/>
+          </a:p>
+        </p:txBody>
+      </p:sp>
+      <p:pic>
+        <p:nvPicPr>
+          <p:cNvPr id="7" name="Obrázek 6">
+            <a:extLst>
+              <a:ext uri="{FF2B5EF4-FFF2-40B4-BE49-F238E27FC236}">
+                <a16:creationId xmlns:a16="http://schemas.microsoft.com/office/drawing/2014/main" id="{E3CE30C8-64AF-48D4-BB0E-626D6CCED3EC}"/>
+              </a:ext>
+            </a:extLst>
+          </p:cNvPr>
+          <p:cNvPicPr>
+            <a:picLocks noChangeAspect="1"/>
+          </p:cNvPicPr>
+          <p:nvPr/>
+        </p:nvPicPr>
+        <p:blipFill>
+          <a:blip r:embed="rId2"/>
+          <a:stretch>
+            <a:fillRect/>
+          </a:stretch>
+        </p:blipFill>
+        <p:spPr>
+          <a:xfrm>
+            <a:off x="946986" y="4670179"/>
+            <a:ext cx="8327016" cy="1252611"/>
+          </a:xfrm>
+          <a:prstGeom prst="rect">
+            <a:avLst/>
+          </a:prstGeom>
+        </p:spPr>
+      </p:pic>
+      <p:pic>
+        <p:nvPicPr>
+          <p:cNvPr id="9" name="Obrázek 8">
+            <a:extLst>
+              <a:ext uri="{FF2B5EF4-FFF2-40B4-BE49-F238E27FC236}">
+                <a16:creationId xmlns:a16="http://schemas.microsoft.com/office/drawing/2014/main" id="{7A04C0B9-65D8-44CA-B506-5B377EF2170D}"/>
+              </a:ext>
+            </a:extLst>
+          </p:cNvPr>
+          <p:cNvPicPr>
+            <a:picLocks noChangeAspect="1"/>
+          </p:cNvPicPr>
+          <p:nvPr/>
+        </p:nvPicPr>
+        <p:blipFill>
+          <a:blip r:embed="rId3"/>
+          <a:stretch>
+            <a:fillRect/>
+          </a:stretch>
+        </p:blipFill>
+        <p:spPr>
+          <a:xfrm>
+            <a:off x="3379763" y="2581489"/>
+            <a:ext cx="4786996" cy="351985"/>
+          </a:xfrm>
+          <a:prstGeom prst="rect">
+            <a:avLst/>
+          </a:prstGeom>
+        </p:spPr>
+      </p:pic>
+      <p:pic>
+        <p:nvPicPr>
+          <p:cNvPr id="11" name="Obrázek 10">
+            <a:extLst>
+              <a:ext uri="{FF2B5EF4-FFF2-40B4-BE49-F238E27FC236}">
+                <a16:creationId xmlns:a16="http://schemas.microsoft.com/office/drawing/2014/main" id="{B3E881BD-1F3E-4932-AACD-2EC965B576DF}"/>
+              </a:ext>
+            </a:extLst>
+          </p:cNvPr>
+          <p:cNvPicPr>
+            <a:picLocks noChangeAspect="1"/>
+          </p:cNvPicPr>
+          <p:nvPr/>
+        </p:nvPicPr>
+        <p:blipFill>
+          <a:blip r:embed="rId4"/>
+          <a:stretch>
+            <a:fillRect/>
+          </a:stretch>
+        </p:blipFill>
+        <p:spPr>
+          <a:xfrm>
+            <a:off x="2226139" y="2957730"/>
+            <a:ext cx="2002480" cy="400496"/>
+          </a:xfrm>
+          <a:prstGeom prst="rect">
+            <a:avLst/>
+          </a:prstGeom>
+        </p:spPr>
+      </p:pic>
+      <p:pic>
+        <p:nvPicPr>
+          <p:cNvPr id="13" name="Obrázek 12">
+            <a:extLst>
+              <a:ext uri="{FF2B5EF4-FFF2-40B4-BE49-F238E27FC236}">
+                <a16:creationId xmlns:a16="http://schemas.microsoft.com/office/drawing/2014/main" id="{C44BE199-03E3-4489-A7A1-FCCC760724C7}"/>
+              </a:ext>
+            </a:extLst>
+          </p:cNvPr>
+          <p:cNvPicPr>
+            <a:picLocks noChangeAspect="1"/>
+          </p:cNvPicPr>
+          <p:nvPr/>
+        </p:nvPicPr>
+        <p:blipFill>
+          <a:blip r:embed="rId5"/>
+          <a:stretch>
+            <a:fillRect/>
+          </a:stretch>
+        </p:blipFill>
+        <p:spPr>
+          <a:xfrm>
+            <a:off x="2226139" y="3372294"/>
+            <a:ext cx="2639880" cy="351984"/>
+          </a:xfrm>
+          <a:prstGeom prst="rect">
+            <a:avLst/>
+          </a:prstGeom>
+        </p:spPr>
+      </p:pic>
+    </p:spTree>
+    <p:extLst>
+      <p:ext uri="{BB962C8B-B14F-4D97-AF65-F5344CB8AC3E}">
+        <p14:creationId xmlns:p14="http://schemas.microsoft.com/office/powerpoint/2010/main" val="3177947334"/>
+      </p:ext>
+    </p:extLst>
+  </p:cSld>
+  <p:clrMapOvr>
+    <a:masterClrMapping/>
+  </p:clrMapOvr>
+</p:sld>
+</file>
+
+<file path=ppt/slides/slide6.xml><?xml version="1.0" encoding="utf-8"?>
+<p:sld xmlns:a="http://schemas.openxmlformats.org/drawingml/2006/main" xmlns:r="http://schemas.openxmlformats.org/officeDocument/2006/relationships" xmlns:p="http://schemas.openxmlformats.org/presentationml/2006/main">
+  <p:cSld>
+    <p:spTree>
+      <p:nvGrpSpPr>
+        <p:cNvPr id="1" name=""/>
+        <p:cNvGrpSpPr/>
+        <p:nvPr/>
+      </p:nvGrpSpPr>
+      <p:grpSpPr>
+        <a:xfrm>
+          <a:off x="0" y="0"/>
+          <a:ext cx="0" cy="0"/>
+          <a:chOff x="0" y="0"/>
+          <a:chExt cx="0" cy="0"/>
+        </a:xfrm>
+      </p:grpSpPr>
+      <p:sp>
+        <p:nvSpPr>
+          <p:cNvPr id="2" name="Nadpis 1">
+            <a:extLst>
+              <a:ext uri="{FF2B5EF4-FFF2-40B4-BE49-F238E27FC236}">
+                <a16:creationId xmlns:a16="http://schemas.microsoft.com/office/drawing/2014/main" id="{0CF6FC1E-56AC-458A-9147-DA19F0DDAE1E}"/>
+              </a:ext>
+            </a:extLst>
+          </p:cNvPr>
+          <p:cNvSpPr>
+            <a:spLocks noGrp="1"/>
+          </p:cNvSpPr>
+          <p:nvPr>
+            <p:ph type="title"/>
+          </p:nvPr>
+        </p:nvSpPr>
+        <p:spPr>
+          <a:xfrm>
+            <a:off x="677334" y="609600"/>
+            <a:ext cx="8596668" cy="825305"/>
+          </a:xfrm>
+        </p:spPr>
+        <p:txBody>
+          <a:bodyPr/>
+          <a:lstStyle/>
+          <a:p>
+            <a:r>
+              <a:rPr lang="cs-CZ" dirty="0"/>
+              <a:t>Knihovna matematických funkcí - </a:t>
+            </a:r>
+            <a:r>
+              <a:rPr lang="cs-CZ" dirty="0" err="1"/>
+              <a:t>Math</a:t>
+            </a:r>
+            <a:endParaRPr lang="cs-CZ" dirty="0"/>
+          </a:p>
+        </p:txBody>
+      </p:sp>
+      <p:sp>
+        <p:nvSpPr>
+          <p:cNvPr id="3" name="Zástupný obsah 2">
+            <a:extLst>
+              <a:ext uri="{FF2B5EF4-FFF2-40B4-BE49-F238E27FC236}">
+                <a16:creationId xmlns:a16="http://schemas.microsoft.com/office/drawing/2014/main" id="{12139557-72E1-4E2C-8F70-A59AFD844867}"/>
+              </a:ext>
+            </a:extLst>
+          </p:cNvPr>
+          <p:cNvSpPr>
+            <a:spLocks noGrp="1"/>
+          </p:cNvSpPr>
+          <p:nvPr>
+            <p:ph idx="1"/>
+          </p:nvPr>
+        </p:nvSpPr>
+        <p:spPr>
+          <a:xfrm>
+            <a:off x="789876" y="1617785"/>
+            <a:ext cx="8596668" cy="4839286"/>
+          </a:xfrm>
+        </p:spPr>
+        <p:txBody>
+          <a:bodyPr/>
+          <a:lstStyle/>
+          <a:p>
+            <a:r>
+              <a:rPr lang="cs-CZ" dirty="0"/>
+              <a:t>Knihovna obsahuje konstanty a metody používané v matematice</a:t>
+            </a:r>
+          </a:p>
+          <a:p>
+            <a:r>
+              <a:rPr lang="cs-CZ" b="1" dirty="0"/>
+              <a:t>Konstanty</a:t>
+            </a:r>
+            <a:r>
+              <a:rPr lang="cs-CZ" dirty="0"/>
+              <a:t> (voláme přes tečku </a:t>
+            </a:r>
+            <a:r>
+              <a:rPr lang="cs-CZ" dirty="0" err="1"/>
+              <a:t>Math.X</a:t>
+            </a:r>
+            <a:r>
+              <a:rPr lang="cs-CZ" dirty="0"/>
+              <a:t>):</a:t>
+            </a:r>
+          </a:p>
+          <a:p>
+            <a:endParaRPr lang="cs-CZ" dirty="0"/>
+          </a:p>
+          <a:p>
+            <a:endParaRPr lang="cs-CZ" dirty="0"/>
+          </a:p>
+          <a:p>
+            <a:endParaRPr lang="cs-CZ" dirty="0"/>
+          </a:p>
+          <a:p>
+            <a:r>
+              <a:rPr lang="cs-CZ" b="1" dirty="0"/>
+              <a:t>Metody</a:t>
+            </a:r>
+            <a:r>
+              <a:rPr lang="cs-CZ" dirty="0"/>
+              <a:t> (voláme přes tečku </a:t>
+            </a:r>
+            <a:r>
+              <a:rPr lang="cs-CZ" dirty="0" err="1"/>
+              <a:t>Math.Y</a:t>
+            </a:r>
+            <a:r>
+              <a:rPr lang="cs-CZ" dirty="0"/>
+              <a:t>):</a:t>
+            </a:r>
+          </a:p>
+          <a:p>
+            <a:r>
+              <a:rPr lang="cs-CZ" b="1" dirty="0" err="1"/>
+              <a:t>Abs</a:t>
+            </a:r>
+            <a:r>
+              <a:rPr lang="cs-CZ" b="1" dirty="0"/>
+              <a:t>(a); </a:t>
+            </a:r>
+            <a:r>
+              <a:rPr lang="cs-CZ" dirty="0"/>
+              <a:t>- absolutní hodnota</a:t>
+            </a:r>
+          </a:p>
+          <a:p>
+            <a:r>
+              <a:rPr lang="cs-CZ" b="1" dirty="0"/>
+              <a:t>Max(a, b);</a:t>
+            </a:r>
+            <a:r>
+              <a:rPr lang="cs-CZ" dirty="0"/>
+              <a:t> / </a:t>
+            </a:r>
+            <a:r>
+              <a:rPr lang="cs-CZ" b="1" dirty="0"/>
+              <a:t>Min(a, b); </a:t>
+            </a:r>
+            <a:r>
+              <a:rPr lang="cs-CZ" dirty="0"/>
+              <a:t>- maximum/minimum ze dvou hodnot</a:t>
+            </a:r>
+          </a:p>
+          <a:p>
+            <a:r>
+              <a:rPr lang="cs-CZ" b="1" dirty="0" err="1"/>
+              <a:t>Round</a:t>
+            </a:r>
+            <a:r>
+              <a:rPr lang="cs-CZ" b="1" dirty="0"/>
+              <a:t>(a); </a:t>
+            </a:r>
+            <a:r>
+              <a:rPr lang="cs-CZ" b="1" dirty="0" err="1"/>
+              <a:t>Floor</a:t>
+            </a:r>
+            <a:r>
+              <a:rPr lang="cs-CZ" b="1" dirty="0"/>
+              <a:t>(a); </a:t>
+            </a:r>
+            <a:r>
+              <a:rPr lang="cs-CZ" dirty="0"/>
+              <a:t>- zaokrouhlení čísla (</a:t>
+            </a:r>
+            <a:r>
+              <a:rPr lang="cs-CZ" dirty="0" err="1"/>
+              <a:t>Round</a:t>
+            </a:r>
+            <a:r>
+              <a:rPr lang="cs-CZ" dirty="0"/>
+              <a:t>() nahoru, </a:t>
+            </a:r>
+            <a:r>
+              <a:rPr lang="cs-CZ" dirty="0" err="1"/>
+              <a:t>Floor</a:t>
+            </a:r>
+            <a:r>
+              <a:rPr lang="cs-CZ" dirty="0"/>
+              <a:t>() dolů)</a:t>
+            </a:r>
+          </a:p>
+          <a:p>
+            <a:r>
+              <a:rPr lang="cs-CZ" b="1" dirty="0" err="1"/>
+              <a:t>Pow</a:t>
+            </a:r>
+            <a:r>
+              <a:rPr lang="cs-CZ" b="1" dirty="0"/>
+              <a:t>(</a:t>
+            </a:r>
+            <a:r>
+              <a:rPr lang="cs-CZ" b="1" dirty="0" err="1"/>
+              <a:t>a,b</a:t>
+            </a:r>
+            <a:r>
+              <a:rPr lang="cs-CZ" b="1" dirty="0"/>
+              <a:t>); </a:t>
+            </a:r>
+            <a:r>
+              <a:rPr lang="cs-CZ" dirty="0"/>
+              <a:t>- mocnění </a:t>
+            </a:r>
+            <a:r>
+              <a:rPr lang="cs-CZ" dirty="0" err="1"/>
+              <a:t>a^b</a:t>
+            </a:r>
+            <a:r>
+              <a:rPr lang="cs-CZ" dirty="0"/>
+              <a:t>, </a:t>
+            </a:r>
+            <a:r>
+              <a:rPr lang="cs-CZ" b="1" dirty="0" err="1"/>
+              <a:t>Sqrt</a:t>
+            </a:r>
+            <a:r>
+              <a:rPr lang="cs-CZ" b="1" dirty="0"/>
+              <a:t>(a); </a:t>
+            </a:r>
+            <a:r>
+              <a:rPr lang="cs-CZ" dirty="0"/>
+              <a:t>druhá odmocnina</a:t>
+            </a:r>
+          </a:p>
+          <a:p>
+            <a:r>
+              <a:rPr lang="cs-CZ" b="1" dirty="0"/>
+              <a:t>Sin(a); Cos(a); </a:t>
+            </a:r>
+            <a:r>
+              <a:rPr lang="cs-CZ" b="1" dirty="0" err="1"/>
+              <a:t>Tan</a:t>
+            </a:r>
+            <a:r>
+              <a:rPr lang="cs-CZ" b="1" dirty="0"/>
+              <a:t>(a); </a:t>
+            </a:r>
+            <a:r>
+              <a:rPr lang="cs-CZ" dirty="0"/>
+              <a:t>– goniometrické funkce</a:t>
+            </a:r>
+          </a:p>
+          <a:p>
+            <a:r>
+              <a:rPr lang="cs-CZ" b="1" dirty="0"/>
+              <a:t>Log(a); Log10(a); </a:t>
+            </a:r>
+            <a:r>
+              <a:rPr lang="cs-CZ" dirty="0"/>
+              <a:t>- logaritmické funkce</a:t>
+            </a:r>
+          </a:p>
+        </p:txBody>
+      </p:sp>
+      <p:pic>
+        <p:nvPicPr>
+          <p:cNvPr id="5" name="Obrázek 4">
+            <a:extLst>
+              <a:ext uri="{FF2B5EF4-FFF2-40B4-BE49-F238E27FC236}">
+                <a16:creationId xmlns:a16="http://schemas.microsoft.com/office/drawing/2014/main" id="{83A4E9A7-8529-4A9C-855C-E4E1E1B2F8B5}"/>
+              </a:ext>
+            </a:extLst>
+          </p:cNvPr>
+          <p:cNvPicPr>
+            <a:picLocks noChangeAspect="1"/>
+          </p:cNvPicPr>
+          <p:nvPr/>
+        </p:nvPicPr>
+        <p:blipFill>
+          <a:blip r:embed="rId2"/>
+          <a:stretch>
+            <a:fillRect/>
+          </a:stretch>
+        </p:blipFill>
+        <p:spPr>
+          <a:xfrm>
+            <a:off x="3592132" y="2579620"/>
+            <a:ext cx="3088655" cy="849380"/>
+          </a:xfrm>
+          <a:prstGeom prst="rect">
+            <a:avLst/>
+          </a:prstGeom>
+        </p:spPr>
+      </p:pic>
+    </p:spTree>
+    <p:extLst>
+      <p:ext uri="{BB962C8B-B14F-4D97-AF65-F5344CB8AC3E}">
+        <p14:creationId xmlns:p14="http://schemas.microsoft.com/office/powerpoint/2010/main" val="858808117"/>
+      </p:ext>
+    </p:extLst>
+  </p:cSld>
+  <p:clrMapOvr>
+    <a:masterClrMapping/>
+  </p:clrMapOvr>
+</p:sld>
+</file>
+
+<file path=ppt/slides/slide7.xml><?xml version="1.0" encoding="utf-8"?>
+<p:sld xmlns:a="http://schemas.openxmlformats.org/drawingml/2006/main" xmlns:r="http://schemas.openxmlformats.org/officeDocument/2006/relationships" xmlns:p="http://schemas.openxmlformats.org/presentationml/2006/main">
+  <p:cSld>
+    <p:spTree>
+      <p:nvGrpSpPr>
+        <p:cNvPr id="1" name=""/>
+        <p:cNvGrpSpPr/>
+        <p:nvPr/>
+      </p:nvGrpSpPr>
+      <p:grpSpPr>
+        <a:xfrm>
+          <a:off x="0" y="0"/>
+          <a:ext cx="0" cy="0"/>
+          <a:chOff x="0" y="0"/>
+          <a:chExt cx="0" cy="0"/>
+        </a:xfrm>
+      </p:grpSpPr>
+      <p:sp>
+        <p:nvSpPr>
+          <p:cNvPr id="2" name="Nadpis 1">
+            <a:extLst>
+              <a:ext uri="{FF2B5EF4-FFF2-40B4-BE49-F238E27FC236}">
+                <a16:creationId xmlns:a16="http://schemas.microsoft.com/office/drawing/2014/main" id="{7AB7DA39-CB5B-45FD-BACF-0CC2012D17DD}"/>
+              </a:ext>
+            </a:extLst>
+          </p:cNvPr>
+          <p:cNvSpPr>
+            <a:spLocks noGrp="1"/>
+          </p:cNvSpPr>
+          <p:nvPr>
+            <p:ph type="title"/>
+          </p:nvPr>
+        </p:nvSpPr>
+        <p:spPr>
+          <a:xfrm>
+            <a:off x="677334" y="609600"/>
+            <a:ext cx="8596668" cy="895643"/>
+          </a:xfrm>
+        </p:spPr>
+        <p:txBody>
+          <a:bodyPr/>
+          <a:lstStyle/>
+          <a:p>
+            <a:r>
+              <a:rPr lang="cs-CZ" dirty="0"/>
+              <a:t>Knihovna generování náhody - </a:t>
+            </a:r>
+            <a:r>
+              <a:rPr lang="cs-CZ" dirty="0" err="1"/>
+              <a:t>Random</a:t>
+            </a:r>
+            <a:endParaRPr lang="cs-CZ" dirty="0"/>
+          </a:p>
+        </p:txBody>
+      </p:sp>
+      <p:sp>
+        <p:nvSpPr>
+          <p:cNvPr id="3" name="Zástupný obsah 2">
+            <a:extLst>
+              <a:ext uri="{FF2B5EF4-FFF2-40B4-BE49-F238E27FC236}">
+                <a16:creationId xmlns:a16="http://schemas.microsoft.com/office/drawing/2014/main" id="{28BA5F8D-3F96-4E97-A1E4-B99767203260}"/>
+              </a:ext>
+            </a:extLst>
+          </p:cNvPr>
+          <p:cNvSpPr>
+            <a:spLocks noGrp="1"/>
+          </p:cNvSpPr>
+          <p:nvPr>
+            <p:ph idx="1"/>
+          </p:nvPr>
+        </p:nvSpPr>
+        <p:spPr>
+          <a:xfrm>
+            <a:off x="677334" y="1659988"/>
+            <a:ext cx="8596668" cy="4909623"/>
+          </a:xfrm>
+        </p:spPr>
+        <p:txBody>
+          <a:bodyPr>
+            <a:normAutofit/>
+          </a:bodyPr>
+          <a:lstStyle/>
+          <a:p>
+            <a:r>
+              <a:rPr lang="cs-CZ" dirty="0"/>
+              <a:t>Knihovna, která nám umožňuje vytvářet náhodně generované hodnot</a:t>
+            </a:r>
+          </a:p>
+          <a:p>
+            <a:r>
+              <a:rPr lang="cs-CZ" dirty="0"/>
+              <a:t>Knihovna </a:t>
+            </a:r>
+            <a:r>
+              <a:rPr lang="cs-CZ" b="1" dirty="0" err="1"/>
+              <a:t>Random</a:t>
+            </a:r>
+            <a:r>
+              <a:rPr lang="cs-CZ" dirty="0"/>
+              <a:t> umožňuje:</a:t>
+            </a:r>
+          </a:p>
+          <a:p>
+            <a:pPr lvl="1"/>
+            <a:r>
+              <a:rPr lang="cs-CZ" dirty="0"/>
+              <a:t>Generování náhodného čísla z definovaného intervalu</a:t>
+            </a:r>
+          </a:p>
+          <a:p>
+            <a:pPr lvl="1"/>
+            <a:r>
+              <a:rPr lang="cs-CZ" dirty="0"/>
+              <a:t>Generování koeficientu celku</a:t>
+            </a:r>
+          </a:p>
+          <a:p>
+            <a:pPr lvl="1"/>
+            <a:r>
+              <a:rPr lang="cs-CZ" dirty="0"/>
+              <a:t>Generování pseudonáhodného čísla</a:t>
+            </a:r>
+          </a:p>
+          <a:p>
+            <a:endParaRPr lang="cs-CZ" dirty="0"/>
+          </a:p>
+          <a:p>
+            <a:endParaRPr lang="cs-CZ" dirty="0"/>
+          </a:p>
+          <a:p>
+            <a:r>
+              <a:rPr lang="cs-CZ" dirty="0"/>
+              <a:t>Vytvořený </a:t>
+            </a:r>
+            <a:r>
+              <a:rPr lang="cs-CZ" dirty="0" err="1"/>
+              <a:t>obejkt</a:t>
+            </a:r>
+            <a:r>
+              <a:rPr lang="cs-CZ" dirty="0"/>
+              <a:t> pro náhodná nebo pseudonáhodná čísla pak přes tečku volá:</a:t>
+            </a:r>
+          </a:p>
+          <a:p>
+            <a:pPr lvl="1"/>
+            <a:r>
+              <a:rPr lang="cs-CZ" b="1" dirty="0" err="1"/>
+              <a:t>Next</a:t>
+            </a:r>
+            <a:r>
+              <a:rPr lang="cs-CZ" b="1" dirty="0"/>
+              <a:t>(); </a:t>
+            </a:r>
+            <a:r>
+              <a:rPr lang="cs-CZ" dirty="0"/>
+              <a:t>– náhodná kladná celočíselná hodnota</a:t>
+            </a:r>
+          </a:p>
+          <a:p>
+            <a:pPr lvl="1"/>
+            <a:r>
+              <a:rPr lang="cs-CZ" b="1" dirty="0" err="1"/>
+              <a:t>Next</a:t>
+            </a:r>
+            <a:r>
+              <a:rPr lang="cs-CZ" b="1" dirty="0"/>
+              <a:t>(min, max); </a:t>
+            </a:r>
+            <a:r>
+              <a:rPr lang="cs-CZ" dirty="0"/>
+              <a:t>– náhodná kladná celočíselná hodnota z rozsahu</a:t>
+            </a:r>
+          </a:p>
+          <a:p>
+            <a:pPr lvl="1"/>
+            <a:r>
+              <a:rPr lang="cs-CZ" b="1" dirty="0" err="1"/>
+              <a:t>Next</a:t>
+            </a:r>
+            <a:r>
+              <a:rPr lang="cs-CZ" b="1" dirty="0"/>
+              <a:t>(max); </a:t>
+            </a:r>
+            <a:r>
+              <a:rPr lang="cs-CZ" dirty="0"/>
+              <a:t>- náhodná kladná celočíselná hodnota až do maxima</a:t>
+            </a:r>
+          </a:p>
+          <a:p>
+            <a:pPr lvl="1"/>
+            <a:r>
+              <a:rPr lang="cs-CZ" b="1" dirty="0"/>
+              <a:t>Sample(); </a:t>
+            </a:r>
+            <a:r>
+              <a:rPr lang="cs-CZ" dirty="0"/>
+              <a:t>- vrácení desetinného čísla v intervalu </a:t>
+            </a:r>
+            <a:r>
+              <a:rPr lang="cs-CZ" b="1" dirty="0"/>
+              <a:t>&lt;0 , 1)</a:t>
+            </a:r>
+          </a:p>
+          <a:p>
+            <a:endParaRPr lang="cs-CZ" dirty="0"/>
+          </a:p>
+        </p:txBody>
+      </p:sp>
+      <p:pic>
+        <p:nvPicPr>
+          <p:cNvPr id="5" name="Obrázek 4">
+            <a:extLst>
+              <a:ext uri="{FF2B5EF4-FFF2-40B4-BE49-F238E27FC236}">
+                <a16:creationId xmlns:a16="http://schemas.microsoft.com/office/drawing/2014/main" id="{640369BC-F660-4862-B8A9-2E40A29E5EE9}"/>
+              </a:ext>
+            </a:extLst>
+          </p:cNvPr>
+          <p:cNvPicPr>
+            <a:picLocks noChangeAspect="1"/>
+          </p:cNvPicPr>
+          <p:nvPr/>
+        </p:nvPicPr>
+        <p:blipFill>
+          <a:blip r:embed="rId2"/>
+          <a:stretch>
+            <a:fillRect/>
+          </a:stretch>
+        </p:blipFill>
+        <p:spPr>
+          <a:xfrm>
+            <a:off x="1133050" y="3627058"/>
+            <a:ext cx="7685235" cy="677656"/>
+          </a:xfrm>
+          <a:prstGeom prst="rect">
+            <a:avLst/>
+          </a:prstGeom>
+        </p:spPr>
+      </p:pic>
+    </p:spTree>
+    <p:extLst>
+      <p:ext uri="{BB962C8B-B14F-4D97-AF65-F5344CB8AC3E}">
+        <p14:creationId xmlns:p14="http://schemas.microsoft.com/office/powerpoint/2010/main" val="2813429931"/>
       </p:ext>
     </p:extLst>
   </p:cSld>
